--- a/khj/화면 코드 설명.pptx
+++ b/khj/화면 코드 설명.pptx
@@ -7,6 +7,7 @@
   <p:sldIdLst>
     <p:sldId id="256" r:id="rId2"/>
     <p:sldId id="257" r:id="rId3"/>
+    <p:sldId id="258" r:id="rId4"/>
   </p:sldIdLst>
   <p:sldSz cx="12192000" cy="6858000"/>
   <p:notesSz cx="6858000" cy="9144000"/>
@@ -105,6 +106,11 @@
       </a:defRPr>
     </a:lvl9pPr>
   </p:defaultTextStyle>
+  <p:extLst>
+    <p:ext uri="{EFAFB233-063F-42B5-8137-9DF3F51BA10A}">
+      <p15:sldGuideLst xmlns:p15="http://schemas.microsoft.com/office/powerpoint/2012/main"/>
+    </p:ext>
+  </p:extLst>
 </p:presentation>
 </file>
 
@@ -130,7 +136,7 @@
           <p:cNvPr id="2" name="제목 1">
             <a:extLst>
               <a:ext uri="{FF2B5EF4-FFF2-40B4-BE49-F238E27FC236}">
-                <a16:creationId xmlns:a16="http://schemas.microsoft.com/office/drawing/2014/main" id="{16BF14A8-680C-475E-9845-D2574DCF0008}"/>
+                <a16:creationId xmlns="" xmlns:a16="http://schemas.microsoft.com/office/drawing/2014/main" id="{16BF14A8-680C-475E-9845-D2574DCF0008}"/>
               </a:ext>
             </a:extLst>
           </p:cNvPr>
@@ -167,7 +173,7 @@
           <p:cNvPr id="3" name="부제목 2">
             <a:extLst>
               <a:ext uri="{FF2B5EF4-FFF2-40B4-BE49-F238E27FC236}">
-                <a16:creationId xmlns:a16="http://schemas.microsoft.com/office/drawing/2014/main" id="{401575DB-AB57-4D6B-B3C6-85A3A3DF32A2}"/>
+                <a16:creationId xmlns="" xmlns:a16="http://schemas.microsoft.com/office/drawing/2014/main" id="{401575DB-AB57-4D6B-B3C6-85A3A3DF32A2}"/>
               </a:ext>
             </a:extLst>
           </p:cNvPr>
@@ -237,7 +243,7 @@
           <p:cNvPr id="4" name="날짜 개체 틀 3">
             <a:extLst>
               <a:ext uri="{FF2B5EF4-FFF2-40B4-BE49-F238E27FC236}">
-                <a16:creationId xmlns:a16="http://schemas.microsoft.com/office/drawing/2014/main" id="{A31E9A14-A1F4-4937-B76E-86263CA9B9B0}"/>
+                <a16:creationId xmlns="" xmlns:a16="http://schemas.microsoft.com/office/drawing/2014/main" id="{A31E9A14-A1F4-4937-B76E-86263CA9B9B0}"/>
               </a:ext>
             </a:extLst>
           </p:cNvPr>
@@ -255,7 +261,7 @@
           <a:p>
             <a:fld id="{8A4FB9F8-FEAD-4210-A7ED-3530646A82F8}" type="datetimeFigureOut">
               <a:rPr lang="ko-KR" altLang="en-US" smtClean="0"/>
-              <a:t>2020-02-18</a:t>
+              <a:t>2020-02-19</a:t>
             </a:fld>
             <a:endParaRPr lang="ko-KR" altLang="en-US"/>
           </a:p>
@@ -266,7 +272,7 @@
           <p:cNvPr id="5" name="바닥글 개체 틀 4">
             <a:extLst>
               <a:ext uri="{FF2B5EF4-FFF2-40B4-BE49-F238E27FC236}">
-                <a16:creationId xmlns:a16="http://schemas.microsoft.com/office/drawing/2014/main" id="{ACCA6D37-8FD6-4813-B2AA-FFCDB07810AB}"/>
+                <a16:creationId xmlns="" xmlns:a16="http://schemas.microsoft.com/office/drawing/2014/main" id="{ACCA6D37-8FD6-4813-B2AA-FFCDB07810AB}"/>
               </a:ext>
             </a:extLst>
           </p:cNvPr>
@@ -291,7 +297,7 @@
           <p:cNvPr id="6" name="슬라이드 번호 개체 틀 5">
             <a:extLst>
               <a:ext uri="{FF2B5EF4-FFF2-40B4-BE49-F238E27FC236}">
-                <a16:creationId xmlns:a16="http://schemas.microsoft.com/office/drawing/2014/main" id="{2284E69D-90F5-4538-84FD-4452907EC2F5}"/>
+                <a16:creationId xmlns="" xmlns:a16="http://schemas.microsoft.com/office/drawing/2014/main" id="{2284E69D-90F5-4538-84FD-4452907EC2F5}"/>
               </a:ext>
             </a:extLst>
           </p:cNvPr>
@@ -350,7 +356,7 @@
           <p:cNvPr id="2" name="제목 1">
             <a:extLst>
               <a:ext uri="{FF2B5EF4-FFF2-40B4-BE49-F238E27FC236}">
-                <a16:creationId xmlns:a16="http://schemas.microsoft.com/office/drawing/2014/main" id="{3504F8FB-5EA2-46AB-B7A2-3F3C829A109E}"/>
+                <a16:creationId xmlns="" xmlns:a16="http://schemas.microsoft.com/office/drawing/2014/main" id="{3504F8FB-5EA2-46AB-B7A2-3F3C829A109E}"/>
               </a:ext>
             </a:extLst>
           </p:cNvPr>
@@ -378,7 +384,7 @@
           <p:cNvPr id="3" name="세로 텍스트 개체 틀 2">
             <a:extLst>
               <a:ext uri="{FF2B5EF4-FFF2-40B4-BE49-F238E27FC236}">
-                <a16:creationId xmlns:a16="http://schemas.microsoft.com/office/drawing/2014/main" id="{439A4040-61F2-4DBD-8B4D-B0F32E75DD49}"/>
+                <a16:creationId xmlns="" xmlns:a16="http://schemas.microsoft.com/office/drawing/2014/main" id="{439A4040-61F2-4DBD-8B4D-B0F32E75DD49}"/>
               </a:ext>
             </a:extLst>
           </p:cNvPr>
@@ -435,7 +441,7 @@
           <p:cNvPr id="4" name="날짜 개체 틀 3">
             <a:extLst>
               <a:ext uri="{FF2B5EF4-FFF2-40B4-BE49-F238E27FC236}">
-                <a16:creationId xmlns:a16="http://schemas.microsoft.com/office/drawing/2014/main" id="{F33E36BE-B5D9-4B19-85EE-613D25191BB8}"/>
+                <a16:creationId xmlns="" xmlns:a16="http://schemas.microsoft.com/office/drawing/2014/main" id="{F33E36BE-B5D9-4B19-85EE-613D25191BB8}"/>
               </a:ext>
             </a:extLst>
           </p:cNvPr>
@@ -453,7 +459,7 @@
           <a:p>
             <a:fld id="{8A4FB9F8-FEAD-4210-A7ED-3530646A82F8}" type="datetimeFigureOut">
               <a:rPr lang="ko-KR" altLang="en-US" smtClean="0"/>
-              <a:t>2020-02-18</a:t>
+              <a:t>2020-02-19</a:t>
             </a:fld>
             <a:endParaRPr lang="ko-KR" altLang="en-US"/>
           </a:p>
@@ -464,7 +470,7 @@
           <p:cNvPr id="5" name="바닥글 개체 틀 4">
             <a:extLst>
               <a:ext uri="{FF2B5EF4-FFF2-40B4-BE49-F238E27FC236}">
-                <a16:creationId xmlns:a16="http://schemas.microsoft.com/office/drawing/2014/main" id="{DE5993EC-DA47-4BA5-AD4B-A0B53F341DA6}"/>
+                <a16:creationId xmlns="" xmlns:a16="http://schemas.microsoft.com/office/drawing/2014/main" id="{DE5993EC-DA47-4BA5-AD4B-A0B53F341DA6}"/>
               </a:ext>
             </a:extLst>
           </p:cNvPr>
@@ -489,7 +495,7 @@
           <p:cNvPr id="6" name="슬라이드 번호 개체 틀 5">
             <a:extLst>
               <a:ext uri="{FF2B5EF4-FFF2-40B4-BE49-F238E27FC236}">
-                <a16:creationId xmlns:a16="http://schemas.microsoft.com/office/drawing/2014/main" id="{3CE7C681-4259-459A-A323-EA8653355B18}"/>
+                <a16:creationId xmlns="" xmlns:a16="http://schemas.microsoft.com/office/drawing/2014/main" id="{3CE7C681-4259-459A-A323-EA8653355B18}"/>
               </a:ext>
             </a:extLst>
           </p:cNvPr>
@@ -548,7 +554,7 @@
           <p:cNvPr id="2" name="세로 제목 1">
             <a:extLst>
               <a:ext uri="{FF2B5EF4-FFF2-40B4-BE49-F238E27FC236}">
-                <a16:creationId xmlns:a16="http://schemas.microsoft.com/office/drawing/2014/main" id="{CD8D920D-4A8D-4E75-A0C0-29C9DD733C55}"/>
+                <a16:creationId xmlns="" xmlns:a16="http://schemas.microsoft.com/office/drawing/2014/main" id="{CD8D920D-4A8D-4E75-A0C0-29C9DD733C55}"/>
               </a:ext>
             </a:extLst>
           </p:cNvPr>
@@ -581,7 +587,7 @@
           <p:cNvPr id="3" name="세로 텍스트 개체 틀 2">
             <a:extLst>
               <a:ext uri="{FF2B5EF4-FFF2-40B4-BE49-F238E27FC236}">
-                <a16:creationId xmlns:a16="http://schemas.microsoft.com/office/drawing/2014/main" id="{E0B91A8B-180B-4B90-8715-3954B1AE0E8C}"/>
+                <a16:creationId xmlns="" xmlns:a16="http://schemas.microsoft.com/office/drawing/2014/main" id="{E0B91A8B-180B-4B90-8715-3954B1AE0E8C}"/>
               </a:ext>
             </a:extLst>
           </p:cNvPr>
@@ -643,7 +649,7 @@
           <p:cNvPr id="4" name="날짜 개체 틀 3">
             <a:extLst>
               <a:ext uri="{FF2B5EF4-FFF2-40B4-BE49-F238E27FC236}">
-                <a16:creationId xmlns:a16="http://schemas.microsoft.com/office/drawing/2014/main" id="{C10DC35A-54BD-427D-9F6F-20E68FE337CF}"/>
+                <a16:creationId xmlns="" xmlns:a16="http://schemas.microsoft.com/office/drawing/2014/main" id="{C10DC35A-54BD-427D-9F6F-20E68FE337CF}"/>
               </a:ext>
             </a:extLst>
           </p:cNvPr>
@@ -661,7 +667,7 @@
           <a:p>
             <a:fld id="{8A4FB9F8-FEAD-4210-A7ED-3530646A82F8}" type="datetimeFigureOut">
               <a:rPr lang="ko-KR" altLang="en-US" smtClean="0"/>
-              <a:t>2020-02-18</a:t>
+              <a:t>2020-02-19</a:t>
             </a:fld>
             <a:endParaRPr lang="ko-KR" altLang="en-US"/>
           </a:p>
@@ -672,7 +678,7 @@
           <p:cNvPr id="5" name="바닥글 개체 틀 4">
             <a:extLst>
               <a:ext uri="{FF2B5EF4-FFF2-40B4-BE49-F238E27FC236}">
-                <a16:creationId xmlns:a16="http://schemas.microsoft.com/office/drawing/2014/main" id="{7A11044C-D412-4DC8-B791-75F3AC263C2A}"/>
+                <a16:creationId xmlns="" xmlns:a16="http://schemas.microsoft.com/office/drawing/2014/main" id="{7A11044C-D412-4DC8-B791-75F3AC263C2A}"/>
               </a:ext>
             </a:extLst>
           </p:cNvPr>
@@ -697,7 +703,7 @@
           <p:cNvPr id="6" name="슬라이드 번호 개체 틀 5">
             <a:extLst>
               <a:ext uri="{FF2B5EF4-FFF2-40B4-BE49-F238E27FC236}">
-                <a16:creationId xmlns:a16="http://schemas.microsoft.com/office/drawing/2014/main" id="{EE32E4A6-6CEE-42C2-9CCD-242E9729703C}"/>
+                <a16:creationId xmlns="" xmlns:a16="http://schemas.microsoft.com/office/drawing/2014/main" id="{EE32E4A6-6CEE-42C2-9CCD-242E9729703C}"/>
               </a:ext>
             </a:extLst>
           </p:cNvPr>
@@ -756,7 +762,7 @@
           <p:cNvPr id="2" name="제목 1">
             <a:extLst>
               <a:ext uri="{FF2B5EF4-FFF2-40B4-BE49-F238E27FC236}">
-                <a16:creationId xmlns:a16="http://schemas.microsoft.com/office/drawing/2014/main" id="{431C8038-00C4-4AF4-89E3-52B7C40FA2EE}"/>
+                <a16:creationId xmlns="" xmlns:a16="http://schemas.microsoft.com/office/drawing/2014/main" id="{431C8038-00C4-4AF4-89E3-52B7C40FA2EE}"/>
               </a:ext>
             </a:extLst>
           </p:cNvPr>
@@ -784,7 +790,7 @@
           <p:cNvPr id="3" name="내용 개체 틀 2">
             <a:extLst>
               <a:ext uri="{FF2B5EF4-FFF2-40B4-BE49-F238E27FC236}">
-                <a16:creationId xmlns:a16="http://schemas.microsoft.com/office/drawing/2014/main" id="{06E4ABC5-A3BF-4F73-8F0A-9E538606912B}"/>
+                <a16:creationId xmlns="" xmlns:a16="http://schemas.microsoft.com/office/drawing/2014/main" id="{06E4ABC5-A3BF-4F73-8F0A-9E538606912B}"/>
               </a:ext>
             </a:extLst>
           </p:cNvPr>
@@ -841,7 +847,7 @@
           <p:cNvPr id="4" name="날짜 개체 틀 3">
             <a:extLst>
               <a:ext uri="{FF2B5EF4-FFF2-40B4-BE49-F238E27FC236}">
-                <a16:creationId xmlns:a16="http://schemas.microsoft.com/office/drawing/2014/main" id="{AE669455-6B08-42C0-A7AE-46D8D21A30C0}"/>
+                <a16:creationId xmlns="" xmlns:a16="http://schemas.microsoft.com/office/drawing/2014/main" id="{AE669455-6B08-42C0-A7AE-46D8D21A30C0}"/>
               </a:ext>
             </a:extLst>
           </p:cNvPr>
@@ -859,7 +865,7 @@
           <a:p>
             <a:fld id="{8A4FB9F8-FEAD-4210-A7ED-3530646A82F8}" type="datetimeFigureOut">
               <a:rPr lang="ko-KR" altLang="en-US" smtClean="0"/>
-              <a:t>2020-02-18</a:t>
+              <a:t>2020-02-19</a:t>
             </a:fld>
             <a:endParaRPr lang="ko-KR" altLang="en-US"/>
           </a:p>
@@ -870,7 +876,7 @@
           <p:cNvPr id="5" name="바닥글 개체 틀 4">
             <a:extLst>
               <a:ext uri="{FF2B5EF4-FFF2-40B4-BE49-F238E27FC236}">
-                <a16:creationId xmlns:a16="http://schemas.microsoft.com/office/drawing/2014/main" id="{3617CCE6-36CD-4947-84D4-A1C0A1BA4198}"/>
+                <a16:creationId xmlns="" xmlns:a16="http://schemas.microsoft.com/office/drawing/2014/main" id="{3617CCE6-36CD-4947-84D4-A1C0A1BA4198}"/>
               </a:ext>
             </a:extLst>
           </p:cNvPr>
@@ -895,7 +901,7 @@
           <p:cNvPr id="6" name="슬라이드 번호 개체 틀 5">
             <a:extLst>
               <a:ext uri="{FF2B5EF4-FFF2-40B4-BE49-F238E27FC236}">
-                <a16:creationId xmlns:a16="http://schemas.microsoft.com/office/drawing/2014/main" id="{CE6ED560-B107-4235-854C-E7EE4553A3ED}"/>
+                <a16:creationId xmlns="" xmlns:a16="http://schemas.microsoft.com/office/drawing/2014/main" id="{CE6ED560-B107-4235-854C-E7EE4553A3ED}"/>
               </a:ext>
             </a:extLst>
           </p:cNvPr>
@@ -954,7 +960,7 @@
           <p:cNvPr id="2" name="제목 1">
             <a:extLst>
               <a:ext uri="{FF2B5EF4-FFF2-40B4-BE49-F238E27FC236}">
-                <a16:creationId xmlns:a16="http://schemas.microsoft.com/office/drawing/2014/main" id="{1396E807-4EDD-4D0E-914D-53A4AE2FE5C7}"/>
+                <a16:creationId xmlns="" xmlns:a16="http://schemas.microsoft.com/office/drawing/2014/main" id="{1396E807-4EDD-4D0E-914D-53A4AE2FE5C7}"/>
               </a:ext>
             </a:extLst>
           </p:cNvPr>
@@ -991,7 +997,7 @@
           <p:cNvPr id="3" name="텍스트 개체 틀 2">
             <a:extLst>
               <a:ext uri="{FF2B5EF4-FFF2-40B4-BE49-F238E27FC236}">
-                <a16:creationId xmlns:a16="http://schemas.microsoft.com/office/drawing/2014/main" id="{58C871B9-CCB7-4F4A-8BF5-FADC55F99C1B}"/>
+                <a16:creationId xmlns="" xmlns:a16="http://schemas.microsoft.com/office/drawing/2014/main" id="{58C871B9-CCB7-4F4A-8BF5-FADC55F99C1B}"/>
               </a:ext>
             </a:extLst>
           </p:cNvPr>
@@ -1116,7 +1122,7 @@
           <p:cNvPr id="4" name="날짜 개체 틀 3">
             <a:extLst>
               <a:ext uri="{FF2B5EF4-FFF2-40B4-BE49-F238E27FC236}">
-                <a16:creationId xmlns:a16="http://schemas.microsoft.com/office/drawing/2014/main" id="{6823A89D-13AA-44EF-BBF9-FA3E1D2C823A}"/>
+                <a16:creationId xmlns="" xmlns:a16="http://schemas.microsoft.com/office/drawing/2014/main" id="{6823A89D-13AA-44EF-BBF9-FA3E1D2C823A}"/>
               </a:ext>
             </a:extLst>
           </p:cNvPr>
@@ -1134,7 +1140,7 @@
           <a:p>
             <a:fld id="{8A4FB9F8-FEAD-4210-A7ED-3530646A82F8}" type="datetimeFigureOut">
               <a:rPr lang="ko-KR" altLang="en-US" smtClean="0"/>
-              <a:t>2020-02-18</a:t>
+              <a:t>2020-02-19</a:t>
             </a:fld>
             <a:endParaRPr lang="ko-KR" altLang="en-US"/>
           </a:p>
@@ -1145,7 +1151,7 @@
           <p:cNvPr id="5" name="바닥글 개체 틀 4">
             <a:extLst>
               <a:ext uri="{FF2B5EF4-FFF2-40B4-BE49-F238E27FC236}">
-                <a16:creationId xmlns:a16="http://schemas.microsoft.com/office/drawing/2014/main" id="{7B681811-05EA-490E-9407-D6114AD31613}"/>
+                <a16:creationId xmlns="" xmlns:a16="http://schemas.microsoft.com/office/drawing/2014/main" id="{7B681811-05EA-490E-9407-D6114AD31613}"/>
               </a:ext>
             </a:extLst>
           </p:cNvPr>
@@ -1170,7 +1176,7 @@
           <p:cNvPr id="6" name="슬라이드 번호 개체 틀 5">
             <a:extLst>
               <a:ext uri="{FF2B5EF4-FFF2-40B4-BE49-F238E27FC236}">
-                <a16:creationId xmlns:a16="http://schemas.microsoft.com/office/drawing/2014/main" id="{81D9A0DC-91DD-435F-ADB6-38A509543AF3}"/>
+                <a16:creationId xmlns="" xmlns:a16="http://schemas.microsoft.com/office/drawing/2014/main" id="{81D9A0DC-91DD-435F-ADB6-38A509543AF3}"/>
               </a:ext>
             </a:extLst>
           </p:cNvPr>
@@ -1229,7 +1235,7 @@
           <p:cNvPr id="2" name="제목 1">
             <a:extLst>
               <a:ext uri="{FF2B5EF4-FFF2-40B4-BE49-F238E27FC236}">
-                <a16:creationId xmlns:a16="http://schemas.microsoft.com/office/drawing/2014/main" id="{CEBE1EB1-115B-4CDA-819D-9A68A0C13DC1}"/>
+                <a16:creationId xmlns="" xmlns:a16="http://schemas.microsoft.com/office/drawing/2014/main" id="{CEBE1EB1-115B-4CDA-819D-9A68A0C13DC1}"/>
               </a:ext>
             </a:extLst>
           </p:cNvPr>
@@ -1257,7 +1263,7 @@
           <p:cNvPr id="3" name="내용 개체 틀 2">
             <a:extLst>
               <a:ext uri="{FF2B5EF4-FFF2-40B4-BE49-F238E27FC236}">
-                <a16:creationId xmlns:a16="http://schemas.microsoft.com/office/drawing/2014/main" id="{CB0E9BDD-C1A7-4EF5-A934-788681C31A38}"/>
+                <a16:creationId xmlns="" xmlns:a16="http://schemas.microsoft.com/office/drawing/2014/main" id="{CB0E9BDD-C1A7-4EF5-A934-788681C31A38}"/>
               </a:ext>
             </a:extLst>
           </p:cNvPr>
@@ -1319,7 +1325,7 @@
           <p:cNvPr id="4" name="내용 개체 틀 3">
             <a:extLst>
               <a:ext uri="{FF2B5EF4-FFF2-40B4-BE49-F238E27FC236}">
-                <a16:creationId xmlns:a16="http://schemas.microsoft.com/office/drawing/2014/main" id="{AFD90701-C322-43B6-89ED-575CE4984703}"/>
+                <a16:creationId xmlns="" xmlns:a16="http://schemas.microsoft.com/office/drawing/2014/main" id="{AFD90701-C322-43B6-89ED-575CE4984703}"/>
               </a:ext>
             </a:extLst>
           </p:cNvPr>
@@ -1381,7 +1387,7 @@
           <p:cNvPr id="5" name="날짜 개체 틀 4">
             <a:extLst>
               <a:ext uri="{FF2B5EF4-FFF2-40B4-BE49-F238E27FC236}">
-                <a16:creationId xmlns:a16="http://schemas.microsoft.com/office/drawing/2014/main" id="{7F7611AE-5DF6-40C6-A06A-757C5A672D5C}"/>
+                <a16:creationId xmlns="" xmlns:a16="http://schemas.microsoft.com/office/drawing/2014/main" id="{7F7611AE-5DF6-40C6-A06A-757C5A672D5C}"/>
               </a:ext>
             </a:extLst>
           </p:cNvPr>
@@ -1399,7 +1405,7 @@
           <a:p>
             <a:fld id="{8A4FB9F8-FEAD-4210-A7ED-3530646A82F8}" type="datetimeFigureOut">
               <a:rPr lang="ko-KR" altLang="en-US" smtClean="0"/>
-              <a:t>2020-02-18</a:t>
+              <a:t>2020-02-19</a:t>
             </a:fld>
             <a:endParaRPr lang="ko-KR" altLang="en-US"/>
           </a:p>
@@ -1410,7 +1416,7 @@
           <p:cNvPr id="6" name="바닥글 개체 틀 5">
             <a:extLst>
               <a:ext uri="{FF2B5EF4-FFF2-40B4-BE49-F238E27FC236}">
-                <a16:creationId xmlns:a16="http://schemas.microsoft.com/office/drawing/2014/main" id="{F6ABC18F-F6B7-42F1-8859-8453962900F9}"/>
+                <a16:creationId xmlns="" xmlns:a16="http://schemas.microsoft.com/office/drawing/2014/main" id="{F6ABC18F-F6B7-42F1-8859-8453962900F9}"/>
               </a:ext>
             </a:extLst>
           </p:cNvPr>
@@ -1435,7 +1441,7 @@
           <p:cNvPr id="7" name="슬라이드 번호 개체 틀 6">
             <a:extLst>
               <a:ext uri="{FF2B5EF4-FFF2-40B4-BE49-F238E27FC236}">
-                <a16:creationId xmlns:a16="http://schemas.microsoft.com/office/drawing/2014/main" id="{2092F085-50A3-47A4-A342-EE5D60ECA739}"/>
+                <a16:creationId xmlns="" xmlns:a16="http://schemas.microsoft.com/office/drawing/2014/main" id="{2092F085-50A3-47A4-A342-EE5D60ECA739}"/>
               </a:ext>
             </a:extLst>
           </p:cNvPr>
@@ -1494,7 +1500,7 @@
           <p:cNvPr id="2" name="제목 1">
             <a:extLst>
               <a:ext uri="{FF2B5EF4-FFF2-40B4-BE49-F238E27FC236}">
-                <a16:creationId xmlns:a16="http://schemas.microsoft.com/office/drawing/2014/main" id="{BE4CEFE2-40AE-4EC4-A149-F90665F65A00}"/>
+                <a16:creationId xmlns="" xmlns:a16="http://schemas.microsoft.com/office/drawing/2014/main" id="{BE4CEFE2-40AE-4EC4-A149-F90665F65A00}"/>
               </a:ext>
             </a:extLst>
           </p:cNvPr>
@@ -1527,7 +1533,7 @@
           <p:cNvPr id="3" name="텍스트 개체 틀 2">
             <a:extLst>
               <a:ext uri="{FF2B5EF4-FFF2-40B4-BE49-F238E27FC236}">
-                <a16:creationId xmlns:a16="http://schemas.microsoft.com/office/drawing/2014/main" id="{9E3A3E1B-AEBC-4766-A22A-640C50A9825F}"/>
+                <a16:creationId xmlns="" xmlns:a16="http://schemas.microsoft.com/office/drawing/2014/main" id="{9E3A3E1B-AEBC-4766-A22A-640C50A9825F}"/>
               </a:ext>
             </a:extLst>
           </p:cNvPr>
@@ -1598,7 +1604,7 @@
           <p:cNvPr id="4" name="내용 개체 틀 3">
             <a:extLst>
               <a:ext uri="{FF2B5EF4-FFF2-40B4-BE49-F238E27FC236}">
-                <a16:creationId xmlns:a16="http://schemas.microsoft.com/office/drawing/2014/main" id="{DCF4275B-CEB9-4CC1-A257-D941460DEFC1}"/>
+                <a16:creationId xmlns="" xmlns:a16="http://schemas.microsoft.com/office/drawing/2014/main" id="{DCF4275B-CEB9-4CC1-A257-D941460DEFC1}"/>
               </a:ext>
             </a:extLst>
           </p:cNvPr>
@@ -1660,7 +1666,7 @@
           <p:cNvPr id="5" name="텍스트 개체 틀 4">
             <a:extLst>
               <a:ext uri="{FF2B5EF4-FFF2-40B4-BE49-F238E27FC236}">
-                <a16:creationId xmlns:a16="http://schemas.microsoft.com/office/drawing/2014/main" id="{4FB2C5EB-C583-4141-B2DD-8243292D9D09}"/>
+                <a16:creationId xmlns="" xmlns:a16="http://schemas.microsoft.com/office/drawing/2014/main" id="{4FB2C5EB-C583-4141-B2DD-8243292D9D09}"/>
               </a:ext>
             </a:extLst>
           </p:cNvPr>
@@ -1731,7 +1737,7 @@
           <p:cNvPr id="6" name="내용 개체 틀 5">
             <a:extLst>
               <a:ext uri="{FF2B5EF4-FFF2-40B4-BE49-F238E27FC236}">
-                <a16:creationId xmlns:a16="http://schemas.microsoft.com/office/drawing/2014/main" id="{0AE859E4-4F4F-4169-AB63-16B838B9F384}"/>
+                <a16:creationId xmlns="" xmlns:a16="http://schemas.microsoft.com/office/drawing/2014/main" id="{0AE859E4-4F4F-4169-AB63-16B838B9F384}"/>
               </a:ext>
             </a:extLst>
           </p:cNvPr>
@@ -1793,7 +1799,7 @@
           <p:cNvPr id="7" name="날짜 개체 틀 6">
             <a:extLst>
               <a:ext uri="{FF2B5EF4-FFF2-40B4-BE49-F238E27FC236}">
-                <a16:creationId xmlns:a16="http://schemas.microsoft.com/office/drawing/2014/main" id="{5C0677C2-34DD-42A0-B6AA-7EC6D72BA446}"/>
+                <a16:creationId xmlns="" xmlns:a16="http://schemas.microsoft.com/office/drawing/2014/main" id="{5C0677C2-34DD-42A0-B6AA-7EC6D72BA446}"/>
               </a:ext>
             </a:extLst>
           </p:cNvPr>
@@ -1811,7 +1817,7 @@
           <a:p>
             <a:fld id="{8A4FB9F8-FEAD-4210-A7ED-3530646A82F8}" type="datetimeFigureOut">
               <a:rPr lang="ko-KR" altLang="en-US" smtClean="0"/>
-              <a:t>2020-02-18</a:t>
+              <a:t>2020-02-19</a:t>
             </a:fld>
             <a:endParaRPr lang="ko-KR" altLang="en-US"/>
           </a:p>
@@ -1822,7 +1828,7 @@
           <p:cNvPr id="8" name="바닥글 개체 틀 7">
             <a:extLst>
               <a:ext uri="{FF2B5EF4-FFF2-40B4-BE49-F238E27FC236}">
-                <a16:creationId xmlns:a16="http://schemas.microsoft.com/office/drawing/2014/main" id="{EAE8274B-B7B4-42E5-BE08-A430471685A2}"/>
+                <a16:creationId xmlns="" xmlns:a16="http://schemas.microsoft.com/office/drawing/2014/main" id="{EAE8274B-B7B4-42E5-BE08-A430471685A2}"/>
               </a:ext>
             </a:extLst>
           </p:cNvPr>
@@ -1847,7 +1853,7 @@
           <p:cNvPr id="9" name="슬라이드 번호 개체 틀 8">
             <a:extLst>
               <a:ext uri="{FF2B5EF4-FFF2-40B4-BE49-F238E27FC236}">
-                <a16:creationId xmlns:a16="http://schemas.microsoft.com/office/drawing/2014/main" id="{E4DB3849-0891-4CE3-B5E2-B2900F4ED4B9}"/>
+                <a16:creationId xmlns="" xmlns:a16="http://schemas.microsoft.com/office/drawing/2014/main" id="{E4DB3849-0891-4CE3-B5E2-B2900F4ED4B9}"/>
               </a:ext>
             </a:extLst>
           </p:cNvPr>
@@ -1906,7 +1912,7 @@
           <p:cNvPr id="2" name="제목 1">
             <a:extLst>
               <a:ext uri="{FF2B5EF4-FFF2-40B4-BE49-F238E27FC236}">
-                <a16:creationId xmlns:a16="http://schemas.microsoft.com/office/drawing/2014/main" id="{A6E7A5D7-3D9B-4963-A3B5-9C4190C3CCC9}"/>
+                <a16:creationId xmlns="" xmlns:a16="http://schemas.microsoft.com/office/drawing/2014/main" id="{A6E7A5D7-3D9B-4963-A3B5-9C4190C3CCC9}"/>
               </a:ext>
             </a:extLst>
           </p:cNvPr>
@@ -1934,7 +1940,7 @@
           <p:cNvPr id="3" name="날짜 개체 틀 2">
             <a:extLst>
               <a:ext uri="{FF2B5EF4-FFF2-40B4-BE49-F238E27FC236}">
-                <a16:creationId xmlns:a16="http://schemas.microsoft.com/office/drawing/2014/main" id="{015600B1-DAF0-4C5B-BB46-B096F16CB847}"/>
+                <a16:creationId xmlns="" xmlns:a16="http://schemas.microsoft.com/office/drawing/2014/main" id="{015600B1-DAF0-4C5B-BB46-B096F16CB847}"/>
               </a:ext>
             </a:extLst>
           </p:cNvPr>
@@ -1952,7 +1958,7 @@
           <a:p>
             <a:fld id="{8A4FB9F8-FEAD-4210-A7ED-3530646A82F8}" type="datetimeFigureOut">
               <a:rPr lang="ko-KR" altLang="en-US" smtClean="0"/>
-              <a:t>2020-02-18</a:t>
+              <a:t>2020-02-19</a:t>
             </a:fld>
             <a:endParaRPr lang="ko-KR" altLang="en-US"/>
           </a:p>
@@ -1963,7 +1969,7 @@
           <p:cNvPr id="4" name="바닥글 개체 틀 3">
             <a:extLst>
               <a:ext uri="{FF2B5EF4-FFF2-40B4-BE49-F238E27FC236}">
-                <a16:creationId xmlns:a16="http://schemas.microsoft.com/office/drawing/2014/main" id="{551A3AB3-FCF4-4D1B-B017-5C0627D45D83}"/>
+                <a16:creationId xmlns="" xmlns:a16="http://schemas.microsoft.com/office/drawing/2014/main" id="{551A3AB3-FCF4-4D1B-B017-5C0627D45D83}"/>
               </a:ext>
             </a:extLst>
           </p:cNvPr>
@@ -1988,7 +1994,7 @@
           <p:cNvPr id="5" name="슬라이드 번호 개체 틀 4">
             <a:extLst>
               <a:ext uri="{FF2B5EF4-FFF2-40B4-BE49-F238E27FC236}">
-                <a16:creationId xmlns:a16="http://schemas.microsoft.com/office/drawing/2014/main" id="{9D0814B4-7EE3-4605-ADFA-2B0978A1C8B5}"/>
+                <a16:creationId xmlns="" xmlns:a16="http://schemas.microsoft.com/office/drawing/2014/main" id="{9D0814B4-7EE3-4605-ADFA-2B0978A1C8B5}"/>
               </a:ext>
             </a:extLst>
           </p:cNvPr>
@@ -2047,7 +2053,7 @@
           <p:cNvPr id="2" name="날짜 개체 틀 1">
             <a:extLst>
               <a:ext uri="{FF2B5EF4-FFF2-40B4-BE49-F238E27FC236}">
-                <a16:creationId xmlns:a16="http://schemas.microsoft.com/office/drawing/2014/main" id="{B28DD0A5-379B-46D1-8FDD-3389941F6290}"/>
+                <a16:creationId xmlns="" xmlns:a16="http://schemas.microsoft.com/office/drawing/2014/main" id="{B28DD0A5-379B-46D1-8FDD-3389941F6290}"/>
               </a:ext>
             </a:extLst>
           </p:cNvPr>
@@ -2065,7 +2071,7 @@
           <a:p>
             <a:fld id="{8A4FB9F8-FEAD-4210-A7ED-3530646A82F8}" type="datetimeFigureOut">
               <a:rPr lang="ko-KR" altLang="en-US" smtClean="0"/>
-              <a:t>2020-02-18</a:t>
+              <a:t>2020-02-19</a:t>
             </a:fld>
             <a:endParaRPr lang="ko-KR" altLang="en-US"/>
           </a:p>
@@ -2076,7 +2082,7 @@
           <p:cNvPr id="3" name="바닥글 개체 틀 2">
             <a:extLst>
               <a:ext uri="{FF2B5EF4-FFF2-40B4-BE49-F238E27FC236}">
-                <a16:creationId xmlns:a16="http://schemas.microsoft.com/office/drawing/2014/main" id="{82D283D1-B40C-4C50-A505-5BBA2FCA4965}"/>
+                <a16:creationId xmlns="" xmlns:a16="http://schemas.microsoft.com/office/drawing/2014/main" id="{82D283D1-B40C-4C50-A505-5BBA2FCA4965}"/>
               </a:ext>
             </a:extLst>
           </p:cNvPr>
@@ -2101,7 +2107,7 @@
           <p:cNvPr id="4" name="슬라이드 번호 개체 틀 3">
             <a:extLst>
               <a:ext uri="{FF2B5EF4-FFF2-40B4-BE49-F238E27FC236}">
-                <a16:creationId xmlns:a16="http://schemas.microsoft.com/office/drawing/2014/main" id="{75AE4BFB-6C04-4BA7-AC7B-02B12B079EAC}"/>
+                <a16:creationId xmlns="" xmlns:a16="http://schemas.microsoft.com/office/drawing/2014/main" id="{75AE4BFB-6C04-4BA7-AC7B-02B12B079EAC}"/>
               </a:ext>
             </a:extLst>
           </p:cNvPr>
@@ -2160,7 +2166,7 @@
           <p:cNvPr id="2" name="제목 1">
             <a:extLst>
               <a:ext uri="{FF2B5EF4-FFF2-40B4-BE49-F238E27FC236}">
-                <a16:creationId xmlns:a16="http://schemas.microsoft.com/office/drawing/2014/main" id="{5709F785-7561-41B3-B3F1-5A1C2FB7889E}"/>
+                <a16:creationId xmlns="" xmlns:a16="http://schemas.microsoft.com/office/drawing/2014/main" id="{5709F785-7561-41B3-B3F1-5A1C2FB7889E}"/>
               </a:ext>
             </a:extLst>
           </p:cNvPr>
@@ -2197,7 +2203,7 @@
           <p:cNvPr id="3" name="내용 개체 틀 2">
             <a:extLst>
               <a:ext uri="{FF2B5EF4-FFF2-40B4-BE49-F238E27FC236}">
-                <a16:creationId xmlns:a16="http://schemas.microsoft.com/office/drawing/2014/main" id="{DAFD9696-DD16-4E34-80EE-A93CA8A658CA}"/>
+                <a16:creationId xmlns="" xmlns:a16="http://schemas.microsoft.com/office/drawing/2014/main" id="{DAFD9696-DD16-4E34-80EE-A93CA8A658CA}"/>
               </a:ext>
             </a:extLst>
           </p:cNvPr>
@@ -2287,7 +2293,7 @@
           <p:cNvPr id="4" name="텍스트 개체 틀 3">
             <a:extLst>
               <a:ext uri="{FF2B5EF4-FFF2-40B4-BE49-F238E27FC236}">
-                <a16:creationId xmlns:a16="http://schemas.microsoft.com/office/drawing/2014/main" id="{538744DA-D8E6-47D1-96E4-626EEC7957F0}"/>
+                <a16:creationId xmlns="" xmlns:a16="http://schemas.microsoft.com/office/drawing/2014/main" id="{538744DA-D8E6-47D1-96E4-626EEC7957F0}"/>
               </a:ext>
             </a:extLst>
           </p:cNvPr>
@@ -2358,7 +2364,7 @@
           <p:cNvPr id="5" name="날짜 개체 틀 4">
             <a:extLst>
               <a:ext uri="{FF2B5EF4-FFF2-40B4-BE49-F238E27FC236}">
-                <a16:creationId xmlns:a16="http://schemas.microsoft.com/office/drawing/2014/main" id="{FAC0AD7E-33BA-427C-8FB1-9ADC85067072}"/>
+                <a16:creationId xmlns="" xmlns:a16="http://schemas.microsoft.com/office/drawing/2014/main" id="{FAC0AD7E-33BA-427C-8FB1-9ADC85067072}"/>
               </a:ext>
             </a:extLst>
           </p:cNvPr>
@@ -2376,7 +2382,7 @@
           <a:p>
             <a:fld id="{8A4FB9F8-FEAD-4210-A7ED-3530646A82F8}" type="datetimeFigureOut">
               <a:rPr lang="ko-KR" altLang="en-US" smtClean="0"/>
-              <a:t>2020-02-18</a:t>
+              <a:t>2020-02-19</a:t>
             </a:fld>
             <a:endParaRPr lang="ko-KR" altLang="en-US"/>
           </a:p>
@@ -2387,7 +2393,7 @@
           <p:cNvPr id="6" name="바닥글 개체 틀 5">
             <a:extLst>
               <a:ext uri="{FF2B5EF4-FFF2-40B4-BE49-F238E27FC236}">
-                <a16:creationId xmlns:a16="http://schemas.microsoft.com/office/drawing/2014/main" id="{93B45477-A6A1-4275-BF60-47D899E71671}"/>
+                <a16:creationId xmlns="" xmlns:a16="http://schemas.microsoft.com/office/drawing/2014/main" id="{93B45477-A6A1-4275-BF60-47D899E71671}"/>
               </a:ext>
             </a:extLst>
           </p:cNvPr>
@@ -2412,7 +2418,7 @@
           <p:cNvPr id="7" name="슬라이드 번호 개체 틀 6">
             <a:extLst>
               <a:ext uri="{FF2B5EF4-FFF2-40B4-BE49-F238E27FC236}">
-                <a16:creationId xmlns:a16="http://schemas.microsoft.com/office/drawing/2014/main" id="{8B197A46-ED88-4F2A-8294-643BF7A00C94}"/>
+                <a16:creationId xmlns="" xmlns:a16="http://schemas.microsoft.com/office/drawing/2014/main" id="{8B197A46-ED88-4F2A-8294-643BF7A00C94}"/>
               </a:ext>
             </a:extLst>
           </p:cNvPr>
@@ -2471,7 +2477,7 @@
           <p:cNvPr id="2" name="제목 1">
             <a:extLst>
               <a:ext uri="{FF2B5EF4-FFF2-40B4-BE49-F238E27FC236}">
-                <a16:creationId xmlns:a16="http://schemas.microsoft.com/office/drawing/2014/main" id="{F1D8D99F-BF66-489C-86EE-6C137A84B042}"/>
+                <a16:creationId xmlns="" xmlns:a16="http://schemas.microsoft.com/office/drawing/2014/main" id="{F1D8D99F-BF66-489C-86EE-6C137A84B042}"/>
               </a:ext>
             </a:extLst>
           </p:cNvPr>
@@ -2508,7 +2514,7 @@
           <p:cNvPr id="3" name="그림 개체 틀 2">
             <a:extLst>
               <a:ext uri="{FF2B5EF4-FFF2-40B4-BE49-F238E27FC236}">
-                <a16:creationId xmlns:a16="http://schemas.microsoft.com/office/drawing/2014/main" id="{6FD06216-ADAE-40B0-B184-F2A1866E73EC}"/>
+                <a16:creationId xmlns="" xmlns:a16="http://schemas.microsoft.com/office/drawing/2014/main" id="{6FD06216-ADAE-40B0-B184-F2A1866E73EC}"/>
               </a:ext>
             </a:extLst>
           </p:cNvPr>
@@ -2575,7 +2581,7 @@
           <p:cNvPr id="4" name="텍스트 개체 틀 3">
             <a:extLst>
               <a:ext uri="{FF2B5EF4-FFF2-40B4-BE49-F238E27FC236}">
-                <a16:creationId xmlns:a16="http://schemas.microsoft.com/office/drawing/2014/main" id="{D6DEF6DA-E116-4162-AB72-2D6D5172E6AF}"/>
+                <a16:creationId xmlns="" xmlns:a16="http://schemas.microsoft.com/office/drawing/2014/main" id="{D6DEF6DA-E116-4162-AB72-2D6D5172E6AF}"/>
               </a:ext>
             </a:extLst>
           </p:cNvPr>
@@ -2646,7 +2652,7 @@
           <p:cNvPr id="5" name="날짜 개체 틀 4">
             <a:extLst>
               <a:ext uri="{FF2B5EF4-FFF2-40B4-BE49-F238E27FC236}">
-                <a16:creationId xmlns:a16="http://schemas.microsoft.com/office/drawing/2014/main" id="{614E3E67-A345-41BD-B23F-CC7144EAC5D9}"/>
+                <a16:creationId xmlns="" xmlns:a16="http://schemas.microsoft.com/office/drawing/2014/main" id="{614E3E67-A345-41BD-B23F-CC7144EAC5D9}"/>
               </a:ext>
             </a:extLst>
           </p:cNvPr>
@@ -2664,7 +2670,7 @@
           <a:p>
             <a:fld id="{8A4FB9F8-FEAD-4210-A7ED-3530646A82F8}" type="datetimeFigureOut">
               <a:rPr lang="ko-KR" altLang="en-US" smtClean="0"/>
-              <a:t>2020-02-18</a:t>
+              <a:t>2020-02-19</a:t>
             </a:fld>
             <a:endParaRPr lang="ko-KR" altLang="en-US"/>
           </a:p>
@@ -2675,7 +2681,7 @@
           <p:cNvPr id="6" name="바닥글 개체 틀 5">
             <a:extLst>
               <a:ext uri="{FF2B5EF4-FFF2-40B4-BE49-F238E27FC236}">
-                <a16:creationId xmlns:a16="http://schemas.microsoft.com/office/drawing/2014/main" id="{FD96868E-5797-4E25-9228-30CF24423E35}"/>
+                <a16:creationId xmlns="" xmlns:a16="http://schemas.microsoft.com/office/drawing/2014/main" id="{FD96868E-5797-4E25-9228-30CF24423E35}"/>
               </a:ext>
             </a:extLst>
           </p:cNvPr>
@@ -2700,7 +2706,7 @@
           <p:cNvPr id="7" name="슬라이드 번호 개체 틀 6">
             <a:extLst>
               <a:ext uri="{FF2B5EF4-FFF2-40B4-BE49-F238E27FC236}">
-                <a16:creationId xmlns:a16="http://schemas.microsoft.com/office/drawing/2014/main" id="{4E63C2F5-F16F-4F21-BF97-5657808D77A4}"/>
+                <a16:creationId xmlns="" xmlns:a16="http://schemas.microsoft.com/office/drawing/2014/main" id="{4E63C2F5-F16F-4F21-BF97-5657808D77A4}"/>
               </a:ext>
             </a:extLst>
           </p:cNvPr>
@@ -2764,7 +2770,7 @@
           <p:cNvPr id="2" name="제목 개체 틀 1">
             <a:extLst>
               <a:ext uri="{FF2B5EF4-FFF2-40B4-BE49-F238E27FC236}">
-                <a16:creationId xmlns:a16="http://schemas.microsoft.com/office/drawing/2014/main" id="{ECBDE2BB-EEF7-454B-9764-83466DADB44F}"/>
+                <a16:creationId xmlns="" xmlns:a16="http://schemas.microsoft.com/office/drawing/2014/main" id="{ECBDE2BB-EEF7-454B-9764-83466DADB44F}"/>
               </a:ext>
             </a:extLst>
           </p:cNvPr>
@@ -2802,7 +2808,7 @@
           <p:cNvPr id="3" name="텍스트 개체 틀 2">
             <a:extLst>
               <a:ext uri="{FF2B5EF4-FFF2-40B4-BE49-F238E27FC236}">
-                <a16:creationId xmlns:a16="http://schemas.microsoft.com/office/drawing/2014/main" id="{6199D7A4-6AF7-4ED8-AF36-3881C20646D0}"/>
+                <a16:creationId xmlns="" xmlns:a16="http://schemas.microsoft.com/office/drawing/2014/main" id="{6199D7A4-6AF7-4ED8-AF36-3881C20646D0}"/>
               </a:ext>
             </a:extLst>
           </p:cNvPr>
@@ -2869,7 +2875,7 @@
           <p:cNvPr id="4" name="날짜 개체 틀 3">
             <a:extLst>
               <a:ext uri="{FF2B5EF4-FFF2-40B4-BE49-F238E27FC236}">
-                <a16:creationId xmlns:a16="http://schemas.microsoft.com/office/drawing/2014/main" id="{E88F1AB5-9106-484D-9251-6EBFC1758C54}"/>
+                <a16:creationId xmlns="" xmlns:a16="http://schemas.microsoft.com/office/drawing/2014/main" id="{E88F1AB5-9106-484D-9251-6EBFC1758C54}"/>
               </a:ext>
             </a:extLst>
           </p:cNvPr>
@@ -2905,7 +2911,7 @@
           <a:p>
             <a:fld id="{8A4FB9F8-FEAD-4210-A7ED-3530646A82F8}" type="datetimeFigureOut">
               <a:rPr lang="ko-KR" altLang="en-US" smtClean="0"/>
-              <a:t>2020-02-18</a:t>
+              <a:t>2020-02-19</a:t>
             </a:fld>
             <a:endParaRPr lang="ko-KR" altLang="en-US"/>
           </a:p>
@@ -2916,7 +2922,7 @@
           <p:cNvPr id="5" name="바닥글 개체 틀 4">
             <a:extLst>
               <a:ext uri="{FF2B5EF4-FFF2-40B4-BE49-F238E27FC236}">
-                <a16:creationId xmlns:a16="http://schemas.microsoft.com/office/drawing/2014/main" id="{60ED3A9C-3DC7-446B-BB81-DB9983149BC4}"/>
+                <a16:creationId xmlns="" xmlns:a16="http://schemas.microsoft.com/office/drawing/2014/main" id="{60ED3A9C-3DC7-446B-BB81-DB9983149BC4}"/>
               </a:ext>
             </a:extLst>
           </p:cNvPr>
@@ -2959,7 +2965,7 @@
           <p:cNvPr id="6" name="슬라이드 번호 개체 틀 5">
             <a:extLst>
               <a:ext uri="{FF2B5EF4-FFF2-40B4-BE49-F238E27FC236}">
-                <a16:creationId xmlns:a16="http://schemas.microsoft.com/office/drawing/2014/main" id="{2D64AE61-5BC9-43E5-9D67-37ABF04E110A}"/>
+                <a16:creationId xmlns="" xmlns:a16="http://schemas.microsoft.com/office/drawing/2014/main" id="{2D64AE61-5BC9-43E5-9D67-37ABF04E110A}"/>
               </a:ext>
             </a:extLst>
           </p:cNvPr>
@@ -3327,7 +3333,7 @@
           <p:cNvPr id="5" name="그림 4" descr="실외, 스크린샷, 개이(가) 표시된 사진&#10;&#10;자동 생성된 설명">
             <a:extLst>
               <a:ext uri="{FF2B5EF4-FFF2-40B4-BE49-F238E27FC236}">
-                <a16:creationId xmlns:a16="http://schemas.microsoft.com/office/drawing/2014/main" id="{84543322-D121-4A08-B9C1-51F00C3FB754}"/>
+                <a16:creationId xmlns="" xmlns:a16="http://schemas.microsoft.com/office/drawing/2014/main" id="{84543322-D121-4A08-B9C1-51F00C3FB754}"/>
               </a:ext>
             </a:extLst>
           </p:cNvPr>
@@ -3350,8 +3356,8 @@
         </p:blipFill>
         <p:spPr>
           <a:xfrm>
-            <a:off x="0" y="0"/>
-            <a:ext cx="5374700" cy="3763500"/>
+            <a:off x="0" y="-1"/>
+            <a:ext cx="6518028" cy="4564087"/>
           </a:xfrm>
           <a:prstGeom prst="rect">
             <a:avLst/>
@@ -3363,7 +3369,7 @@
           <p:cNvPr id="7" name="그림 6" descr="휴대폰, 전화, 노트북, 쥐고있는이(가) 표시된 사진&#10;&#10;자동 생성된 설명">
             <a:extLst>
               <a:ext uri="{FF2B5EF4-FFF2-40B4-BE49-F238E27FC236}">
-                <a16:creationId xmlns:a16="http://schemas.microsoft.com/office/drawing/2014/main" id="{8C598E25-6B1A-472A-B94E-117974FD550B}"/>
+                <a16:creationId xmlns="" xmlns:a16="http://schemas.microsoft.com/office/drawing/2014/main" id="{8C598E25-6B1A-472A-B94E-117974FD550B}"/>
               </a:ext>
             </a:extLst>
           </p:cNvPr>
@@ -3386,7 +3392,7 @@
         </p:blipFill>
         <p:spPr>
           <a:xfrm>
-            <a:off x="1231689" y="4309807"/>
+            <a:off x="3660129" y="4989680"/>
             <a:ext cx="2857899" cy="1695687"/>
           </a:xfrm>
           <a:prstGeom prst="rect">
@@ -3399,7 +3405,7 @@
           <p:cNvPr id="8" name="직사각형 7">
             <a:extLst>
               <a:ext uri="{FF2B5EF4-FFF2-40B4-BE49-F238E27FC236}">
-                <a16:creationId xmlns:a16="http://schemas.microsoft.com/office/drawing/2014/main" id="{E59366E7-D045-4506-947F-C153EAAB1A53}"/>
+                <a16:creationId xmlns="" xmlns:a16="http://schemas.microsoft.com/office/drawing/2014/main" id="{E59366E7-D045-4506-947F-C153EAAB1A53}"/>
               </a:ext>
             </a:extLst>
           </p:cNvPr>
@@ -3408,7 +3414,7 @@
         </p:nvSpPr>
         <p:spPr>
           <a:xfrm>
-            <a:off x="1554702" y="4812122"/>
+            <a:off x="4019288" y="5491995"/>
             <a:ext cx="1775727" cy="691055"/>
           </a:xfrm>
           <a:prstGeom prst="rect">
@@ -3451,7 +3457,7 @@
           <p:cNvPr id="9" name="직사각형 8">
             <a:extLst>
               <a:ext uri="{FF2B5EF4-FFF2-40B4-BE49-F238E27FC236}">
-                <a16:creationId xmlns:a16="http://schemas.microsoft.com/office/drawing/2014/main" id="{D9377D33-85CA-4CA9-A1B0-2CEEE5917B1F}"/>
+                <a16:creationId xmlns="" xmlns:a16="http://schemas.microsoft.com/office/drawing/2014/main" id="{D9377D33-85CA-4CA9-A1B0-2CEEE5917B1F}"/>
               </a:ext>
             </a:extLst>
           </p:cNvPr>
@@ -3460,7 +3466,7 @@
         </p:nvSpPr>
         <p:spPr>
           <a:xfrm>
-            <a:off x="1391145" y="4565686"/>
+            <a:off x="3855731" y="5249349"/>
             <a:ext cx="1939284" cy="174094"/>
           </a:xfrm>
           <a:prstGeom prst="rect">
@@ -3503,19 +3509,20 @@
           <p:cNvPr id="11" name="직선 화살표 연결선 10">
             <a:extLst>
               <a:ext uri="{FF2B5EF4-FFF2-40B4-BE49-F238E27FC236}">
-                <a16:creationId xmlns:a16="http://schemas.microsoft.com/office/drawing/2014/main" id="{4640C667-A7A8-447B-87F0-53CFD11EEB3A}"/>
+                <a16:creationId xmlns="" xmlns:a16="http://schemas.microsoft.com/office/drawing/2014/main" id="{4640C667-A7A8-447B-87F0-53CFD11EEB3A}"/>
               </a:ext>
             </a:extLst>
           </p:cNvPr>
           <p:cNvCxnSpPr>
             <a:cxnSpLocks/>
+            <a:stCxn id="14" idx="3"/>
           </p:cNvCxnSpPr>
           <p:nvPr/>
         </p:nvCxnSpPr>
         <p:spPr>
-          <a:xfrm>
-            <a:off x="10193019" y="3523693"/>
-            <a:ext cx="1764484" cy="1422938"/>
+          <a:xfrm flipV="1">
+            <a:off x="2687350" y="5423443"/>
+            <a:ext cx="1331938" cy="207690"/>
           </a:xfrm>
           <a:prstGeom prst="straightConnector1">
             <a:avLst/>
@@ -3547,7 +3554,7 @@
           <p:cNvPr id="14" name="사각형: 둥근 모서리 13">
             <a:extLst>
               <a:ext uri="{FF2B5EF4-FFF2-40B4-BE49-F238E27FC236}">
-                <a16:creationId xmlns:a16="http://schemas.microsoft.com/office/drawing/2014/main" id="{D5991456-9947-43D4-99CC-4C384F3D48C3}"/>
+                <a16:creationId xmlns="" xmlns:a16="http://schemas.microsoft.com/office/drawing/2014/main" id="{D5991456-9947-43D4-99CC-4C384F3D48C3}"/>
               </a:ext>
             </a:extLst>
           </p:cNvPr>
@@ -3556,7 +3563,7 @@
         </p:nvSpPr>
         <p:spPr>
           <a:xfrm>
-            <a:off x="8403126" y="1099820"/>
+            <a:off x="95150" y="5079215"/>
             <a:ext cx="2592200" cy="1103835"/>
           </a:xfrm>
           <a:prstGeom prst="roundRect">
@@ -3659,7 +3666,7 @@
           <p:cNvPr id="15" name="사각형: 둥근 모서리 14">
             <a:extLst>
               <a:ext uri="{FF2B5EF4-FFF2-40B4-BE49-F238E27FC236}">
-                <a16:creationId xmlns:a16="http://schemas.microsoft.com/office/drawing/2014/main" id="{C2D437B6-DEDC-4801-8706-52AB0AC084DD}"/>
+                <a16:creationId xmlns="" xmlns:a16="http://schemas.microsoft.com/office/drawing/2014/main" id="{C2D437B6-DEDC-4801-8706-52AB0AC084DD}"/>
               </a:ext>
             </a:extLst>
           </p:cNvPr>
@@ -3668,7 +3675,7 @@
         </p:nvSpPr>
         <p:spPr>
           <a:xfrm>
-            <a:off x="5124377" y="1757771"/>
+            <a:off x="6847728" y="1810969"/>
             <a:ext cx="2592200" cy="1103835"/>
           </a:xfrm>
           <a:prstGeom prst="roundRect">
@@ -3824,7 +3831,7 @@
           <p:cNvPr id="20" name="그림 19" descr="테이블, 앉아있는, 화면, 검은색이(가) 표시된 사진&#10;&#10;자동 생성된 설명">
             <a:extLst>
               <a:ext uri="{FF2B5EF4-FFF2-40B4-BE49-F238E27FC236}">
-                <a16:creationId xmlns:a16="http://schemas.microsoft.com/office/drawing/2014/main" id="{AC94BBE8-2935-45CC-B7BB-E79CB61666F4}"/>
+                <a16:creationId xmlns="" xmlns:a16="http://schemas.microsoft.com/office/drawing/2014/main" id="{AC94BBE8-2935-45CC-B7BB-E79CB61666F4}"/>
               </a:ext>
             </a:extLst>
           </p:cNvPr>
@@ -3847,7 +3854,7 @@
         </p:blipFill>
         <p:spPr>
           <a:xfrm>
-            <a:off x="4848748" y="4309807"/>
+            <a:off x="6847728" y="4884890"/>
             <a:ext cx="5344271" cy="1905266"/>
           </a:xfrm>
           <a:prstGeom prst="rect">
@@ -3860,7 +3867,7 @@
           <p:cNvPr id="12" name="직선 화살표 연결선 11">
             <a:extLst>
               <a:ext uri="{FF2B5EF4-FFF2-40B4-BE49-F238E27FC236}">
-                <a16:creationId xmlns:a16="http://schemas.microsoft.com/office/drawing/2014/main" id="{4897F000-60D8-49B8-84CD-E4357F93A877}"/>
+                <a16:creationId xmlns="" xmlns:a16="http://schemas.microsoft.com/office/drawing/2014/main" id="{4897F000-60D8-49B8-84CD-E4357F93A877}"/>
               </a:ext>
             </a:extLst>
           </p:cNvPr>
@@ -3870,9 +3877,9 @@
           <p:nvPr/>
         </p:nvCxnSpPr>
         <p:spPr>
-          <a:xfrm flipV="1">
-            <a:off x="8403126" y="3090428"/>
-            <a:ext cx="2911752" cy="177194"/>
+          <a:xfrm flipH="1">
+            <a:off x="5773368" y="2924802"/>
+            <a:ext cx="2234608" cy="2912720"/>
           </a:xfrm>
           <a:prstGeom prst="straightConnector1">
             <a:avLst/>
@@ -3904,7 +3911,7 @@
           <p:cNvPr id="24" name="직사각형 23">
             <a:extLst>
               <a:ext uri="{FF2B5EF4-FFF2-40B4-BE49-F238E27FC236}">
-                <a16:creationId xmlns:a16="http://schemas.microsoft.com/office/drawing/2014/main" id="{4FAD36F6-9D47-4C10-970D-587248C1EE80}"/>
+                <a16:creationId xmlns="" xmlns:a16="http://schemas.microsoft.com/office/drawing/2014/main" id="{4FAD36F6-9D47-4C10-970D-587248C1EE80}"/>
               </a:ext>
             </a:extLst>
           </p:cNvPr>
@@ -3913,7 +3920,7 @@
         </p:nvSpPr>
         <p:spPr>
           <a:xfrm>
-            <a:off x="5576188" y="4309807"/>
+            <a:off x="7635647" y="4864895"/>
             <a:ext cx="1524407" cy="249565"/>
           </a:xfrm>
           <a:prstGeom prst="rect">
@@ -3956,7 +3963,7 @@
           <p:cNvPr id="26" name="직선 화살표 연결선 25">
             <a:extLst>
               <a:ext uri="{FF2B5EF4-FFF2-40B4-BE49-F238E27FC236}">
-                <a16:creationId xmlns:a16="http://schemas.microsoft.com/office/drawing/2014/main" id="{C1753645-34DD-419C-877A-D30E556BCC1D}"/>
+                <a16:creationId xmlns="" xmlns:a16="http://schemas.microsoft.com/office/drawing/2014/main" id="{C1753645-34DD-419C-877A-D30E556BCC1D}"/>
               </a:ext>
             </a:extLst>
           </p:cNvPr>
@@ -3967,7 +3974,7 @@
         </p:nvCxnSpPr>
         <p:spPr>
           <a:xfrm flipV="1">
-            <a:off x="3330429" y="4434590"/>
+            <a:off x="5389888" y="4989678"/>
             <a:ext cx="2245759" cy="230716"/>
           </a:xfrm>
           <a:prstGeom prst="straightConnector1">
@@ -4031,7 +4038,7 @@
           <p:cNvPr id="5" name="그림 4" descr="스크린샷이(가) 표시된 사진&#10;&#10;자동 생성된 설명">
             <a:extLst>
               <a:ext uri="{FF2B5EF4-FFF2-40B4-BE49-F238E27FC236}">
-                <a16:creationId xmlns:a16="http://schemas.microsoft.com/office/drawing/2014/main" id="{BC46C669-BF82-4B3D-BBB5-A0D6A85589F5}"/>
+                <a16:creationId xmlns="" xmlns:a16="http://schemas.microsoft.com/office/drawing/2014/main" id="{BC46C669-BF82-4B3D-BBB5-A0D6A85589F5}"/>
               </a:ext>
             </a:extLst>
           </p:cNvPr>
@@ -4066,7 +4073,7 @@
           <p:cNvPr id="7" name="그림 6" descr="앉아있는이(가) 표시된 사진&#10;&#10;자동 생성된 설명">
             <a:extLst>
               <a:ext uri="{FF2B5EF4-FFF2-40B4-BE49-F238E27FC236}">
-                <a16:creationId xmlns:a16="http://schemas.microsoft.com/office/drawing/2014/main" id="{DE8F2A06-FFD2-453C-9EE8-48FBEF5BC956}"/>
+                <a16:creationId xmlns="" xmlns:a16="http://schemas.microsoft.com/office/drawing/2014/main" id="{DE8F2A06-FFD2-453C-9EE8-48FBEF5BC956}"/>
               </a:ext>
             </a:extLst>
           </p:cNvPr>
@@ -4102,7 +4109,7 @@
           <p:cNvPr id="9" name="그림 8" descr="텔레비전, 화면, 모니터, 앉아있는이(가) 표시된 사진&#10;&#10;자동 생성된 설명">
             <a:extLst>
               <a:ext uri="{FF2B5EF4-FFF2-40B4-BE49-F238E27FC236}">
-                <a16:creationId xmlns:a16="http://schemas.microsoft.com/office/drawing/2014/main" id="{32D9EFC4-16DB-4549-B6E5-19FFDEE136A3}"/>
+                <a16:creationId xmlns="" xmlns:a16="http://schemas.microsoft.com/office/drawing/2014/main" id="{32D9EFC4-16DB-4549-B6E5-19FFDEE136A3}"/>
               </a:ext>
             </a:extLst>
           </p:cNvPr>
@@ -4138,7 +4145,7 @@
           <p:cNvPr id="11" name="직사각형 10">
             <a:extLst>
               <a:ext uri="{FF2B5EF4-FFF2-40B4-BE49-F238E27FC236}">
-                <a16:creationId xmlns:a16="http://schemas.microsoft.com/office/drawing/2014/main" id="{B3EF01B0-BB6B-483E-8952-D5673DF38891}"/>
+                <a16:creationId xmlns="" xmlns:a16="http://schemas.microsoft.com/office/drawing/2014/main" id="{B3EF01B0-BB6B-483E-8952-D5673DF38891}"/>
               </a:ext>
             </a:extLst>
           </p:cNvPr>
@@ -4190,7 +4197,7 @@
           <p:cNvPr id="16" name="직사각형 15">
             <a:extLst>
               <a:ext uri="{FF2B5EF4-FFF2-40B4-BE49-F238E27FC236}">
-                <a16:creationId xmlns:a16="http://schemas.microsoft.com/office/drawing/2014/main" id="{4784DA85-CF45-444D-B6BB-BD0487B7CF9E}"/>
+                <a16:creationId xmlns="" xmlns:a16="http://schemas.microsoft.com/office/drawing/2014/main" id="{4784DA85-CF45-444D-B6BB-BD0487B7CF9E}"/>
               </a:ext>
             </a:extLst>
           </p:cNvPr>
@@ -4242,7 +4249,7 @@
           <p:cNvPr id="17" name="직사각형 16">
             <a:extLst>
               <a:ext uri="{FF2B5EF4-FFF2-40B4-BE49-F238E27FC236}">
-                <a16:creationId xmlns:a16="http://schemas.microsoft.com/office/drawing/2014/main" id="{B0B438FB-FE79-4A04-AEB8-7FC13539E1F8}"/>
+                <a16:creationId xmlns="" xmlns:a16="http://schemas.microsoft.com/office/drawing/2014/main" id="{B0B438FB-FE79-4A04-AEB8-7FC13539E1F8}"/>
               </a:ext>
             </a:extLst>
           </p:cNvPr>
@@ -4294,7 +4301,7 @@
           <p:cNvPr id="18" name="직사각형 17">
             <a:extLst>
               <a:ext uri="{FF2B5EF4-FFF2-40B4-BE49-F238E27FC236}">
-                <a16:creationId xmlns:a16="http://schemas.microsoft.com/office/drawing/2014/main" id="{B0392DBF-9225-4263-A34A-4DCCE0F809AF}"/>
+                <a16:creationId xmlns="" xmlns:a16="http://schemas.microsoft.com/office/drawing/2014/main" id="{B0392DBF-9225-4263-A34A-4DCCE0F809AF}"/>
               </a:ext>
             </a:extLst>
           </p:cNvPr>
@@ -4346,7 +4353,7 @@
           <p:cNvPr id="19" name="직사각형 18">
             <a:extLst>
               <a:ext uri="{FF2B5EF4-FFF2-40B4-BE49-F238E27FC236}">
-                <a16:creationId xmlns:a16="http://schemas.microsoft.com/office/drawing/2014/main" id="{263C0AB1-5B84-489E-B3F6-D63013BD5F45}"/>
+                <a16:creationId xmlns="" xmlns:a16="http://schemas.microsoft.com/office/drawing/2014/main" id="{263C0AB1-5B84-489E-B3F6-D63013BD5F45}"/>
               </a:ext>
             </a:extLst>
           </p:cNvPr>
@@ -4398,7 +4405,7 @@
           <p:cNvPr id="20" name="직사각형 19">
             <a:extLst>
               <a:ext uri="{FF2B5EF4-FFF2-40B4-BE49-F238E27FC236}">
-                <a16:creationId xmlns:a16="http://schemas.microsoft.com/office/drawing/2014/main" id="{82F20809-FC1A-4729-B74C-41EE3FCC3F96}"/>
+                <a16:creationId xmlns="" xmlns:a16="http://schemas.microsoft.com/office/drawing/2014/main" id="{82F20809-FC1A-4729-B74C-41EE3FCC3F96}"/>
               </a:ext>
             </a:extLst>
           </p:cNvPr>
@@ -4450,7 +4457,7 @@
           <p:cNvPr id="21" name="직사각형 20">
             <a:extLst>
               <a:ext uri="{FF2B5EF4-FFF2-40B4-BE49-F238E27FC236}">
-                <a16:creationId xmlns:a16="http://schemas.microsoft.com/office/drawing/2014/main" id="{56BDE6D8-ED89-4DA0-A586-FD7C18E0E9AE}"/>
+                <a16:creationId xmlns="" xmlns:a16="http://schemas.microsoft.com/office/drawing/2014/main" id="{56BDE6D8-ED89-4DA0-A586-FD7C18E0E9AE}"/>
               </a:ext>
             </a:extLst>
           </p:cNvPr>
@@ -4502,7 +4509,7 @@
           <p:cNvPr id="22" name="직사각형 21">
             <a:extLst>
               <a:ext uri="{FF2B5EF4-FFF2-40B4-BE49-F238E27FC236}">
-                <a16:creationId xmlns:a16="http://schemas.microsoft.com/office/drawing/2014/main" id="{D181F9D8-0A10-4875-AEC0-7EBF448E1622}"/>
+                <a16:creationId xmlns="" xmlns:a16="http://schemas.microsoft.com/office/drawing/2014/main" id="{D181F9D8-0A10-4875-AEC0-7EBF448E1622}"/>
               </a:ext>
             </a:extLst>
           </p:cNvPr>
@@ -4554,7 +4561,7 @@
           <p:cNvPr id="23" name="직사각형 22">
             <a:extLst>
               <a:ext uri="{FF2B5EF4-FFF2-40B4-BE49-F238E27FC236}">
-                <a16:creationId xmlns:a16="http://schemas.microsoft.com/office/drawing/2014/main" id="{D99892BA-84CC-4ED7-8873-685DA91BDFB1}"/>
+                <a16:creationId xmlns="" xmlns:a16="http://schemas.microsoft.com/office/drawing/2014/main" id="{D99892BA-84CC-4ED7-8873-685DA91BDFB1}"/>
               </a:ext>
             </a:extLst>
           </p:cNvPr>
@@ -4606,7 +4613,7 @@
           <p:cNvPr id="24" name="직사각형 23">
             <a:extLst>
               <a:ext uri="{FF2B5EF4-FFF2-40B4-BE49-F238E27FC236}">
-                <a16:creationId xmlns:a16="http://schemas.microsoft.com/office/drawing/2014/main" id="{C72060E9-340A-4920-B09F-85BE312C4D9D}"/>
+                <a16:creationId xmlns="" xmlns:a16="http://schemas.microsoft.com/office/drawing/2014/main" id="{C72060E9-340A-4920-B09F-85BE312C4D9D}"/>
               </a:ext>
             </a:extLst>
           </p:cNvPr>
@@ -4658,7 +4665,7 @@
           <p:cNvPr id="25" name="직사각형 24">
             <a:extLst>
               <a:ext uri="{FF2B5EF4-FFF2-40B4-BE49-F238E27FC236}">
-                <a16:creationId xmlns:a16="http://schemas.microsoft.com/office/drawing/2014/main" id="{70B65B56-5E0F-44E4-8D17-81BB9FC9CCEA}"/>
+                <a16:creationId xmlns="" xmlns:a16="http://schemas.microsoft.com/office/drawing/2014/main" id="{70B65B56-5E0F-44E4-8D17-81BB9FC9CCEA}"/>
               </a:ext>
             </a:extLst>
           </p:cNvPr>
@@ -4704,12 +4711,12 @@
           <a:p>
             <a:pPr algn="ctr"/>
             <a:r>
-              <a:rPr lang="en-US" altLang="ko-KR" sz="1000" dirty="0" err="1">
+              <a:rPr lang="en-US" altLang="ko-KR" sz="1000" dirty="0" smtClean="0">
                 <a:solidFill>
                   <a:schemeClr val="tx1"/>
                 </a:solidFill>
               </a:rPr>
-              <a:t>Display:none</a:t>
+              <a:t>Display :none</a:t>
             </a:r>
             <a:r>
               <a:rPr lang="ko-KR" altLang="en-US" sz="1000" dirty="0">
@@ -4768,12 +4775,12 @@
               <a:t>{</a:t>
             </a:r>
             <a:r>
-              <a:rPr lang="en-US" altLang="ko-KR" sz="1000" dirty="0" err="1">
+              <a:rPr lang="en-US" altLang="ko-KR" sz="1000" dirty="0" smtClean="0">
                 <a:solidFill>
                   <a:schemeClr val="tx1"/>
                 </a:solidFill>
               </a:rPr>
-              <a:t>display:block</a:t>
+              <a:t>display :</a:t>
             </a:r>
             <a:r>
               <a:rPr lang="en-US" altLang="ko-KR" sz="1000" dirty="0">
@@ -4781,7 +4788,7 @@
                   <a:schemeClr val="tx1"/>
                 </a:solidFill>
               </a:rPr>
-              <a:t>;}</a:t>
+              <a:t>block;}</a:t>
             </a:r>
             <a:r>
               <a:rPr lang="ko-KR" altLang="en-US" sz="1000" dirty="0">
@@ -4828,7 +4835,7 @@
           <p:cNvPr id="26" name="직사각형 25">
             <a:extLst>
               <a:ext uri="{FF2B5EF4-FFF2-40B4-BE49-F238E27FC236}">
-                <a16:creationId xmlns:a16="http://schemas.microsoft.com/office/drawing/2014/main" id="{9F927B6C-5B32-43E5-A2D1-7AD40FF9BCD2}"/>
+                <a16:creationId xmlns="" xmlns:a16="http://schemas.microsoft.com/office/drawing/2014/main" id="{9F927B6C-5B32-43E5-A2D1-7AD40FF9BCD2}"/>
               </a:ext>
             </a:extLst>
           </p:cNvPr>
@@ -4838,7 +4845,7 @@
         <p:spPr>
           <a:xfrm>
             <a:off x="501837" y="2713817"/>
-            <a:ext cx="3389955" cy="918618"/>
+            <a:ext cx="3389955" cy="1095876"/>
           </a:xfrm>
           <a:prstGeom prst="rect">
             <a:avLst/>
@@ -4873,6 +4880,108 @@
           <a:lstStyle/>
           <a:p>
             <a:pPr algn="ctr"/>
+            <a:r>
+              <a:rPr lang="ko-KR" altLang="en-US" sz="1000" dirty="0" smtClean="0">
+                <a:solidFill>
+                  <a:schemeClr val="tx1"/>
+                </a:solidFill>
+              </a:rPr>
+              <a:t>부모에 </a:t>
+            </a:r>
+            <a:r>
+              <a:rPr lang="en-US" altLang="ko-KR" sz="1000" dirty="0" smtClean="0">
+                <a:solidFill>
+                  <a:schemeClr val="tx1"/>
+                </a:solidFill>
+              </a:rPr>
+              <a:t>position : relative;</a:t>
+            </a:r>
+            <a:r>
+              <a:rPr lang="ko-KR" altLang="en-US" sz="1000" dirty="0" smtClean="0">
+                <a:solidFill>
+                  <a:schemeClr val="tx1"/>
+                </a:solidFill>
+              </a:rPr>
+              <a:t>를 주고</a:t>
+            </a:r>
+            <a:endParaRPr lang="en-US" altLang="ko-KR" sz="1000" dirty="0" smtClean="0">
+              <a:solidFill>
+                <a:schemeClr val="tx1"/>
+              </a:solidFill>
+            </a:endParaRPr>
+          </a:p>
+          <a:p>
+            <a:pPr algn="ctr"/>
+            <a:r>
+              <a:rPr lang="ko-KR" altLang="en-US" sz="1000" dirty="0" smtClean="0">
+                <a:solidFill>
+                  <a:schemeClr val="tx1"/>
+                </a:solidFill>
+              </a:rPr>
+              <a:t> 자식요소에 </a:t>
+            </a:r>
+            <a:r>
+              <a:rPr lang="en-US" altLang="ko-KR" sz="1000" dirty="0" smtClean="0">
+                <a:solidFill>
+                  <a:schemeClr val="tx1"/>
+                </a:solidFill>
+              </a:rPr>
+              <a:t>position : absolute;</a:t>
+            </a:r>
+            <a:r>
+              <a:rPr lang="ko-KR" altLang="en-US" sz="1000" dirty="0" smtClean="0">
+                <a:solidFill>
+                  <a:schemeClr val="tx1"/>
+                </a:solidFill>
+              </a:rPr>
+              <a:t>를 주어 </a:t>
+            </a:r>
+            <a:endParaRPr lang="en-US" altLang="ko-KR" sz="1000" dirty="0" smtClean="0">
+              <a:solidFill>
+                <a:schemeClr val="tx1"/>
+              </a:solidFill>
+            </a:endParaRPr>
+          </a:p>
+          <a:p>
+            <a:pPr algn="ctr"/>
+            <a:r>
+              <a:rPr lang="ko-KR" altLang="en-US" sz="1000" dirty="0" smtClean="0">
+                <a:solidFill>
+                  <a:schemeClr val="tx1"/>
+                </a:solidFill>
+              </a:rPr>
+              <a:t>기준좌표를 주지 않아도 부모 영역 내에서 자리할 수 있도록 함</a:t>
+            </a:r>
+            <a:r>
+              <a:rPr lang="en-US" altLang="ko-KR" sz="1000" dirty="0" smtClean="0">
+                <a:solidFill>
+                  <a:schemeClr val="tx1"/>
+                </a:solidFill>
+              </a:rPr>
+              <a:t>.</a:t>
+            </a:r>
+          </a:p>
+          <a:p>
+            <a:pPr algn="ctr"/>
+            <a:r>
+              <a:rPr lang="ko-KR" altLang="en-US" sz="1000" dirty="0" smtClean="0">
+                <a:solidFill>
+                  <a:schemeClr val="tx1"/>
+                </a:solidFill>
+              </a:rPr>
+              <a:t>다음 요소가 오게 되면 자리를 비우면서 떠 있는 상태가 됨</a:t>
+            </a:r>
+            <a:r>
+              <a:rPr lang="en-US" altLang="ko-KR" sz="1000" dirty="0" smtClean="0">
+                <a:solidFill>
+                  <a:schemeClr val="tx1"/>
+                </a:solidFill>
+              </a:rPr>
+              <a:t>.</a:t>
+            </a:r>
+          </a:p>
+          <a:p>
+            <a:pPr algn="ctr"/>
             <a:endParaRPr lang="ko-KR" altLang="en-US" sz="1000" dirty="0">
               <a:solidFill>
                 <a:schemeClr val="tx1"/>
@@ -4886,7 +4995,7 @@
           <p:cNvPr id="27" name="직사각형 26">
             <a:extLst>
               <a:ext uri="{FF2B5EF4-FFF2-40B4-BE49-F238E27FC236}">
-                <a16:creationId xmlns:a16="http://schemas.microsoft.com/office/drawing/2014/main" id="{D6D87D8A-2687-4CE5-97E7-EDFE2CF31062}"/>
+                <a16:creationId xmlns="" xmlns:a16="http://schemas.microsoft.com/office/drawing/2014/main" id="{D6D87D8A-2687-4CE5-97E7-EDFE2CF31062}"/>
               </a:ext>
             </a:extLst>
           </p:cNvPr>
@@ -4931,6 +5040,70 @@
           <a:lstStyle/>
           <a:p>
             <a:pPr algn="ctr"/>
+            <a:r>
+              <a:rPr lang="en-US" altLang="ko-KR" sz="1000" dirty="0" smtClean="0">
+                <a:solidFill>
+                  <a:schemeClr val="tx1"/>
+                </a:solidFill>
+              </a:rPr>
+              <a:t>Cursor :pointer;</a:t>
+            </a:r>
+            <a:r>
+              <a:rPr lang="ko-KR" altLang="en-US" sz="1000" dirty="0" smtClean="0">
+                <a:solidFill>
+                  <a:schemeClr val="tx1"/>
+                </a:solidFill>
+              </a:rPr>
+              <a:t>로 </a:t>
+            </a:r>
+            <a:r>
+              <a:rPr lang="ko-KR" altLang="en-US" sz="1000" dirty="0" err="1" smtClean="0">
+                <a:solidFill>
+                  <a:schemeClr val="tx1"/>
+                </a:solidFill>
+              </a:rPr>
+              <a:t>마이페이지</a:t>
+            </a:r>
+            <a:r>
+              <a:rPr lang="ko-KR" altLang="en-US" sz="1000" dirty="0" smtClean="0">
+                <a:solidFill>
+                  <a:schemeClr val="tx1"/>
+                </a:solidFill>
+              </a:rPr>
+              <a:t> 마우스 커서를 올릴 때</a:t>
+            </a:r>
+            <a:r>
+              <a:rPr lang="en-US" altLang="ko-KR" sz="1000" dirty="0" smtClean="0">
+                <a:solidFill>
+                  <a:schemeClr val="tx1"/>
+                </a:solidFill>
+              </a:rPr>
+              <a:t>, </a:t>
+            </a:r>
+            <a:r>
+              <a:rPr lang="ko-KR" altLang="en-US" sz="1000" dirty="0" smtClean="0">
+                <a:solidFill>
+                  <a:schemeClr val="tx1"/>
+                </a:solidFill>
+              </a:rPr>
+              <a:t>마우스 모양이 </a:t>
+            </a:r>
+            <a:r>
+              <a:rPr lang="ko-KR" altLang="en-US" sz="1000" dirty="0" err="1" smtClean="0">
+                <a:solidFill>
+                  <a:schemeClr val="tx1"/>
+                </a:solidFill>
+              </a:rPr>
+              <a:t>손모양으로</a:t>
+            </a:r>
+            <a:r>
+              <a:rPr lang="ko-KR" altLang="en-US" sz="1000" dirty="0" smtClean="0">
+                <a:solidFill>
+                  <a:schemeClr val="tx1"/>
+                </a:solidFill>
+              </a:rPr>
+              <a:t> 바뀜</a:t>
+            </a:r>
             <a:endParaRPr lang="ko-KR" altLang="en-US" sz="1000" dirty="0">
               <a:solidFill>
                 <a:schemeClr val="tx1"/>
@@ -4944,7 +5117,7 @@
           <p:cNvPr id="28" name="직사각형 27">
             <a:extLst>
               <a:ext uri="{FF2B5EF4-FFF2-40B4-BE49-F238E27FC236}">
-                <a16:creationId xmlns:a16="http://schemas.microsoft.com/office/drawing/2014/main" id="{6959E2B0-8CEB-43F0-9ECC-83B6ADA7D24F}"/>
+                <a16:creationId xmlns="" xmlns:a16="http://schemas.microsoft.com/office/drawing/2014/main" id="{6959E2B0-8CEB-43F0-9ECC-83B6ADA7D24F}"/>
               </a:ext>
             </a:extLst>
           </p:cNvPr>
@@ -4996,7 +5169,7 @@
           <p:cNvPr id="29" name="직사각형 28">
             <a:extLst>
               <a:ext uri="{FF2B5EF4-FFF2-40B4-BE49-F238E27FC236}">
-                <a16:creationId xmlns:a16="http://schemas.microsoft.com/office/drawing/2014/main" id="{A77331CF-2334-4A7F-A002-5F99658530E3}"/>
+                <a16:creationId xmlns="" xmlns:a16="http://schemas.microsoft.com/office/drawing/2014/main" id="{A77331CF-2334-4A7F-A002-5F99658530E3}"/>
               </a:ext>
             </a:extLst>
           </p:cNvPr>
@@ -5048,7 +5221,7 @@
           <p:cNvPr id="30" name="직사각형 29">
             <a:extLst>
               <a:ext uri="{FF2B5EF4-FFF2-40B4-BE49-F238E27FC236}">
-                <a16:creationId xmlns:a16="http://schemas.microsoft.com/office/drawing/2014/main" id="{1A6D92ED-0372-4B8E-AE8B-B35F2B7E4BA2}"/>
+                <a16:creationId xmlns="" xmlns:a16="http://schemas.microsoft.com/office/drawing/2014/main" id="{1A6D92ED-0372-4B8E-AE8B-B35F2B7E4BA2}"/>
               </a:ext>
             </a:extLst>
           </p:cNvPr>
@@ -5100,7 +5273,7 @@
           <p:cNvPr id="31" name="직사각형 30">
             <a:extLst>
               <a:ext uri="{FF2B5EF4-FFF2-40B4-BE49-F238E27FC236}">
-                <a16:creationId xmlns:a16="http://schemas.microsoft.com/office/drawing/2014/main" id="{92987A2F-CDD7-4FF9-94BC-6060652EE518}"/>
+                <a16:creationId xmlns="" xmlns:a16="http://schemas.microsoft.com/office/drawing/2014/main" id="{92987A2F-CDD7-4FF9-94BC-6060652EE518}"/>
               </a:ext>
             </a:extLst>
           </p:cNvPr>
@@ -5152,7 +5325,7 @@
           <p:cNvPr id="33" name="직선 화살표 연결선 32">
             <a:extLst>
               <a:ext uri="{FF2B5EF4-FFF2-40B4-BE49-F238E27FC236}">
-                <a16:creationId xmlns:a16="http://schemas.microsoft.com/office/drawing/2014/main" id="{8C42BA26-9DD9-4411-A08C-F1765C6CBEDA}"/>
+                <a16:creationId xmlns="" xmlns:a16="http://schemas.microsoft.com/office/drawing/2014/main" id="{8C42BA26-9DD9-4411-A08C-F1765C6CBEDA}"/>
               </a:ext>
             </a:extLst>
           </p:cNvPr>
@@ -5195,7 +5368,7 @@
           <p:cNvPr id="37" name="직선 화살표 연결선 36">
             <a:extLst>
               <a:ext uri="{FF2B5EF4-FFF2-40B4-BE49-F238E27FC236}">
-                <a16:creationId xmlns:a16="http://schemas.microsoft.com/office/drawing/2014/main" id="{6ED040BB-D0C1-4463-8115-EFF992B32988}"/>
+                <a16:creationId xmlns="" xmlns:a16="http://schemas.microsoft.com/office/drawing/2014/main" id="{6ED040BB-D0C1-4463-8115-EFF992B32988}"/>
               </a:ext>
             </a:extLst>
           </p:cNvPr>
@@ -5237,7 +5410,7 @@
           <p:cNvPr id="41" name="그림 40">
             <a:extLst>
               <a:ext uri="{FF2B5EF4-FFF2-40B4-BE49-F238E27FC236}">
-                <a16:creationId xmlns:a16="http://schemas.microsoft.com/office/drawing/2014/main" id="{4404A545-DF94-42DD-9E00-A72FBE3281D6}"/>
+                <a16:creationId xmlns="" xmlns:a16="http://schemas.microsoft.com/office/drawing/2014/main" id="{4404A545-DF94-42DD-9E00-A72FBE3281D6}"/>
               </a:ext>
             </a:extLst>
           </p:cNvPr>
@@ -5273,7 +5446,7 @@
           <p:cNvPr id="42" name="직사각형 41">
             <a:extLst>
               <a:ext uri="{FF2B5EF4-FFF2-40B4-BE49-F238E27FC236}">
-                <a16:creationId xmlns:a16="http://schemas.microsoft.com/office/drawing/2014/main" id="{0B3A2F3B-CC0D-4C33-942C-31FD17CF2481}"/>
+                <a16:creationId xmlns="" xmlns:a16="http://schemas.microsoft.com/office/drawing/2014/main" id="{0B3A2F3B-CC0D-4C33-942C-31FD17CF2481}"/>
               </a:ext>
             </a:extLst>
           </p:cNvPr>
@@ -5325,7 +5498,7 @@
           <p:cNvPr id="43" name="직사각형 42">
             <a:extLst>
               <a:ext uri="{FF2B5EF4-FFF2-40B4-BE49-F238E27FC236}">
-                <a16:creationId xmlns:a16="http://schemas.microsoft.com/office/drawing/2014/main" id="{54CABCA7-E0C1-4952-BE5E-16FD29582666}"/>
+                <a16:creationId xmlns="" xmlns:a16="http://schemas.microsoft.com/office/drawing/2014/main" id="{54CABCA7-E0C1-4952-BE5E-16FD29582666}"/>
               </a:ext>
             </a:extLst>
           </p:cNvPr>
@@ -5377,7 +5550,7 @@
           <p:cNvPr id="44" name="직사각형 43">
             <a:extLst>
               <a:ext uri="{FF2B5EF4-FFF2-40B4-BE49-F238E27FC236}">
-                <a16:creationId xmlns:a16="http://schemas.microsoft.com/office/drawing/2014/main" id="{C3D0A87B-78D5-4424-8A30-AD9BE3E8A29C}"/>
+                <a16:creationId xmlns="" xmlns:a16="http://schemas.microsoft.com/office/drawing/2014/main" id="{C3D0A87B-78D5-4424-8A30-AD9BE3E8A29C}"/>
               </a:ext>
             </a:extLst>
           </p:cNvPr>
@@ -5429,7 +5602,7 @@
           <p:cNvPr id="45" name="TextBox 44">
             <a:extLst>
               <a:ext uri="{FF2B5EF4-FFF2-40B4-BE49-F238E27FC236}">
-                <a16:creationId xmlns:a16="http://schemas.microsoft.com/office/drawing/2014/main" id="{F580D972-5214-47AF-A7E6-43F18BA441B1}"/>
+                <a16:creationId xmlns="" xmlns:a16="http://schemas.microsoft.com/office/drawing/2014/main" id="{F580D972-5214-47AF-A7E6-43F18BA441B1}"/>
               </a:ext>
             </a:extLst>
           </p:cNvPr>
@@ -5464,7 +5637,7 @@
           <p:cNvPr id="46" name="TextBox 45">
             <a:extLst>
               <a:ext uri="{FF2B5EF4-FFF2-40B4-BE49-F238E27FC236}">
-                <a16:creationId xmlns:a16="http://schemas.microsoft.com/office/drawing/2014/main" id="{E91182C2-EFAC-4DCE-914E-5F48500832A2}"/>
+                <a16:creationId xmlns="" xmlns:a16="http://schemas.microsoft.com/office/drawing/2014/main" id="{E91182C2-EFAC-4DCE-914E-5F48500832A2}"/>
               </a:ext>
             </a:extLst>
           </p:cNvPr>
@@ -5499,7 +5672,7 @@
           <p:cNvPr id="47" name="TextBox 46">
             <a:extLst>
               <a:ext uri="{FF2B5EF4-FFF2-40B4-BE49-F238E27FC236}">
-                <a16:creationId xmlns:a16="http://schemas.microsoft.com/office/drawing/2014/main" id="{3AB42DA6-6BE7-4B94-998A-832CB1B35796}"/>
+                <a16:creationId xmlns="" xmlns:a16="http://schemas.microsoft.com/office/drawing/2014/main" id="{3AB42DA6-6BE7-4B94-998A-832CB1B35796}"/>
               </a:ext>
             </a:extLst>
           </p:cNvPr>
@@ -5538,7 +5711,7 @@
           <p:cNvPr id="48" name="TextBox 47">
             <a:extLst>
               <a:ext uri="{FF2B5EF4-FFF2-40B4-BE49-F238E27FC236}">
-                <a16:creationId xmlns:a16="http://schemas.microsoft.com/office/drawing/2014/main" id="{882D3D17-4C2B-4841-833B-3A268DE1C7C7}"/>
+                <a16:creationId xmlns="" xmlns:a16="http://schemas.microsoft.com/office/drawing/2014/main" id="{882D3D17-4C2B-4841-833B-3A268DE1C7C7}"/>
               </a:ext>
             </a:extLst>
           </p:cNvPr>
@@ -5576,6 +5749,532 @@
     <p:extLst>
       <p:ext uri="{BB962C8B-B14F-4D97-AF65-F5344CB8AC3E}">
         <p14:creationId xmlns:p14="http://schemas.microsoft.com/office/powerpoint/2010/main" val="3244315192"/>
+      </p:ext>
+    </p:extLst>
+  </p:cSld>
+  <p:clrMapOvr>
+    <a:masterClrMapping/>
+  </p:clrMapOvr>
+</p:sld>
+</file>
+
+<file path=ppt/slides/slide3.xml><?xml version="1.0" encoding="utf-8"?>
+<p:sld xmlns:a="http://schemas.openxmlformats.org/drawingml/2006/main" xmlns:r="http://schemas.openxmlformats.org/officeDocument/2006/relationships" xmlns:p="http://schemas.openxmlformats.org/presentationml/2006/main">
+  <p:cSld>
+    <p:spTree>
+      <p:nvGrpSpPr>
+        <p:cNvPr id="1" name=""/>
+        <p:cNvGrpSpPr/>
+        <p:nvPr/>
+      </p:nvGrpSpPr>
+      <p:grpSpPr>
+        <a:xfrm>
+          <a:off x="0" y="0"/>
+          <a:ext cx="0" cy="0"/>
+          <a:chOff x="0" y="0"/>
+          <a:chExt cx="0" cy="0"/>
+        </a:xfrm>
+      </p:grpSpPr>
+      <p:pic>
+        <p:nvPicPr>
+          <p:cNvPr id="2" name="그림 1"/>
+          <p:cNvPicPr>
+            <a:picLocks noChangeAspect="1"/>
+          </p:cNvPicPr>
+          <p:nvPr/>
+        </p:nvPicPr>
+        <p:blipFill>
+          <a:blip r:embed="rId2">
+            <a:extLst>
+              <a:ext uri="{28A0092B-C50C-407E-A947-70E740481C1C}">
+                <a14:useLocalDpi xmlns:a14="http://schemas.microsoft.com/office/drawing/2010/main" val="0"/>
+              </a:ext>
+            </a:extLst>
+          </a:blip>
+          <a:stretch>
+            <a:fillRect/>
+          </a:stretch>
+        </p:blipFill>
+        <p:spPr>
+          <a:xfrm>
+            <a:off x="777576" y="241660"/>
+            <a:ext cx="3667637" cy="6506483"/>
+          </a:xfrm>
+          <a:prstGeom prst="rect">
+            <a:avLst/>
+          </a:prstGeom>
+        </p:spPr>
+      </p:pic>
+      <p:pic>
+        <p:nvPicPr>
+          <p:cNvPr id="3" name="그림 2"/>
+          <p:cNvPicPr>
+            <a:picLocks noChangeAspect="1"/>
+          </p:cNvPicPr>
+          <p:nvPr/>
+        </p:nvPicPr>
+        <p:blipFill>
+          <a:blip r:embed="rId3">
+            <a:extLst>
+              <a:ext uri="{28A0092B-C50C-407E-A947-70E740481C1C}">
+                <a14:useLocalDpi xmlns:a14="http://schemas.microsoft.com/office/drawing/2010/main" val="0"/>
+              </a:ext>
+            </a:extLst>
+          </a:blip>
+          <a:stretch>
+            <a:fillRect/>
+          </a:stretch>
+        </p:blipFill>
+        <p:spPr>
+          <a:xfrm>
+            <a:off x="5882312" y="142806"/>
+            <a:ext cx="2124371" cy="4753638"/>
+          </a:xfrm>
+          <a:prstGeom prst="rect">
+            <a:avLst/>
+          </a:prstGeom>
+        </p:spPr>
+      </p:pic>
+      <p:pic>
+        <p:nvPicPr>
+          <p:cNvPr id="4" name="그림 3"/>
+          <p:cNvPicPr>
+            <a:picLocks noChangeAspect="1"/>
+          </p:cNvPicPr>
+          <p:nvPr/>
+        </p:nvPicPr>
+        <p:blipFill>
+          <a:blip r:embed="rId4">
+            <a:extLst>
+              <a:ext uri="{28A0092B-C50C-407E-A947-70E740481C1C}">
+                <a14:useLocalDpi xmlns:a14="http://schemas.microsoft.com/office/drawing/2010/main" val="0"/>
+              </a:ext>
+            </a:extLst>
+          </a:blip>
+          <a:stretch>
+            <a:fillRect/>
+          </a:stretch>
+        </p:blipFill>
+        <p:spPr>
+          <a:xfrm>
+            <a:off x="4992612" y="5042930"/>
+            <a:ext cx="4134427" cy="1705213"/>
+          </a:xfrm>
+          <a:prstGeom prst="rect">
+            <a:avLst/>
+          </a:prstGeom>
+        </p:spPr>
+      </p:pic>
+      <p:sp>
+        <p:nvSpPr>
+          <p:cNvPr id="5" name="직사각형 4"/>
+          <p:cNvSpPr/>
+          <p:nvPr/>
+        </p:nvSpPr>
+        <p:spPr>
+          <a:xfrm>
+            <a:off x="8509686" y="1037968"/>
+            <a:ext cx="2883243" cy="2010032"/>
+          </a:xfrm>
+          <a:prstGeom prst="rect">
+            <a:avLst/>
+          </a:prstGeom>
+          <a:solidFill>
+            <a:schemeClr val="bg1"/>
+          </a:solidFill>
+          <a:ln>
+            <a:solidFill>
+              <a:srgbClr val="FF0000"/>
+            </a:solidFill>
+          </a:ln>
+        </p:spPr>
+        <p:style>
+          <a:lnRef idx="2">
+            <a:schemeClr val="accent1">
+              <a:shade val="50000"/>
+            </a:schemeClr>
+          </a:lnRef>
+          <a:fillRef idx="1">
+            <a:schemeClr val="accent1"/>
+          </a:fillRef>
+          <a:effectRef idx="0">
+            <a:schemeClr val="accent1"/>
+          </a:effectRef>
+          <a:fontRef idx="minor">
+            <a:schemeClr val="lt1"/>
+          </a:fontRef>
+        </p:style>
+        <p:txBody>
+          <a:bodyPr rtlCol="0" anchor="ctr"/>
+          <a:lstStyle/>
+          <a:p>
+            <a:pPr algn="ctr"/>
+            <a:r>
+              <a:rPr lang="en-US" altLang="ko-KR" sz="1000" dirty="0" err="1" smtClean="0">
+                <a:ln w="0"/>
+                <a:solidFill>
+                  <a:schemeClr val="tx1"/>
+                </a:solidFill>
+                <a:effectLst>
+                  <a:outerShdw blurRad="38100" dist="19050" dir="2700000" algn="tl" rotWithShape="0">
+                    <a:schemeClr val="dk1">
+                      <a:alpha val="40000"/>
+                    </a:schemeClr>
+                  </a:outerShdw>
+                </a:effectLst>
+              </a:rPr>
+              <a:t>RelativeLayout</a:t>
+            </a:r>
+            <a:r>
+              <a:rPr lang="ko-KR" altLang="en-US" sz="1000" dirty="0" smtClean="0">
+                <a:ln w="0"/>
+                <a:solidFill>
+                  <a:schemeClr val="tx1"/>
+                </a:solidFill>
+                <a:effectLst>
+                  <a:outerShdw blurRad="38100" dist="19050" dir="2700000" algn="tl" rotWithShape="0">
+                    <a:schemeClr val="dk1">
+                      <a:alpha val="40000"/>
+                    </a:schemeClr>
+                  </a:outerShdw>
+                </a:effectLst>
+              </a:rPr>
+              <a:t>안에 </a:t>
+            </a:r>
+            <a:r>
+              <a:rPr lang="en-US" altLang="ko-KR" sz="1000" dirty="0" err="1" smtClean="0">
+                <a:ln w="0"/>
+                <a:solidFill>
+                  <a:schemeClr val="tx1"/>
+                </a:solidFill>
+                <a:effectLst>
+                  <a:outerShdw blurRad="38100" dist="19050" dir="2700000" algn="tl" rotWithShape="0">
+                    <a:schemeClr val="dk1">
+                      <a:alpha val="40000"/>
+                    </a:schemeClr>
+                  </a:outerShdw>
+                </a:effectLst>
+              </a:rPr>
+              <a:t>LinearLayout</a:t>
+            </a:r>
+            <a:r>
+              <a:rPr lang="ko-KR" altLang="en-US" sz="1000" dirty="0" smtClean="0">
+                <a:ln w="0"/>
+                <a:solidFill>
+                  <a:schemeClr val="tx1"/>
+                </a:solidFill>
+                <a:effectLst>
+                  <a:outerShdw blurRad="38100" dist="19050" dir="2700000" algn="tl" rotWithShape="0">
+                    <a:schemeClr val="dk1">
+                      <a:alpha val="40000"/>
+                    </a:schemeClr>
+                  </a:outerShdw>
+                </a:effectLst>
+              </a:rPr>
+              <a:t>을 넣고 </a:t>
+            </a:r>
+            <a:endParaRPr lang="en-US" altLang="ko-KR" sz="1000" dirty="0" smtClean="0">
+              <a:ln w="0"/>
+              <a:solidFill>
+                <a:schemeClr val="tx1"/>
+              </a:solidFill>
+              <a:effectLst>
+                <a:outerShdw blurRad="38100" dist="19050" dir="2700000" algn="tl" rotWithShape="0">
+                  <a:schemeClr val="dk1">
+                    <a:alpha val="40000"/>
+                  </a:schemeClr>
+                </a:outerShdw>
+              </a:effectLst>
+            </a:endParaRPr>
+          </a:p>
+          <a:p>
+            <a:pPr algn="ctr"/>
+            <a:r>
+              <a:rPr lang="en-US" altLang="ko-KR" sz="1000" dirty="0" err="1" smtClean="0">
+                <a:ln w="0"/>
+                <a:solidFill>
+                  <a:schemeClr val="tx1"/>
+                </a:solidFill>
+                <a:effectLst>
+                  <a:outerShdw blurRad="38100" dist="19050" dir="2700000" algn="tl" rotWithShape="0">
+                    <a:schemeClr val="dk1">
+                      <a:alpha val="40000"/>
+                    </a:schemeClr>
+                  </a:outerShdw>
+                </a:effectLst>
+              </a:rPr>
+              <a:t>Layout_alignParentBottom</a:t>
+            </a:r>
+            <a:r>
+              <a:rPr lang="ko-KR" altLang="en-US" sz="1000" dirty="0" smtClean="0">
+                <a:ln w="0"/>
+                <a:solidFill>
+                  <a:schemeClr val="tx1"/>
+                </a:solidFill>
+                <a:effectLst>
+                  <a:outerShdw blurRad="38100" dist="19050" dir="2700000" algn="tl" rotWithShape="0">
+                    <a:schemeClr val="dk1">
+                      <a:alpha val="40000"/>
+                    </a:schemeClr>
+                  </a:outerShdw>
+                </a:effectLst>
+              </a:rPr>
+              <a:t>과 </a:t>
+            </a:r>
+            <a:endParaRPr lang="en-US" altLang="ko-KR" sz="1000" dirty="0">
+              <a:ln w="0"/>
+              <a:solidFill>
+                <a:schemeClr val="tx1"/>
+              </a:solidFill>
+              <a:effectLst>
+                <a:outerShdw blurRad="38100" dist="19050" dir="2700000" algn="tl" rotWithShape="0">
+                  <a:schemeClr val="dk1">
+                    <a:alpha val="40000"/>
+                  </a:schemeClr>
+                </a:outerShdw>
+              </a:effectLst>
+            </a:endParaRPr>
+          </a:p>
+          <a:p>
+            <a:pPr algn="ctr"/>
+            <a:r>
+              <a:rPr lang="en-US" altLang="ko-KR" sz="1000" dirty="0" err="1" smtClean="0">
+                <a:ln w="0"/>
+                <a:solidFill>
+                  <a:schemeClr val="tx1"/>
+                </a:solidFill>
+                <a:effectLst>
+                  <a:outerShdw blurRad="38100" dist="19050" dir="2700000" algn="tl" rotWithShape="0">
+                    <a:schemeClr val="dk1">
+                      <a:alpha val="40000"/>
+                    </a:schemeClr>
+                  </a:outerShdw>
+                </a:effectLst>
+              </a:rPr>
+              <a:t>Layout_marginBottom</a:t>
+            </a:r>
+            <a:r>
+              <a:rPr lang="ko-KR" altLang="en-US" sz="1000" dirty="0" smtClean="0">
+                <a:ln w="0"/>
+                <a:solidFill>
+                  <a:schemeClr val="tx1"/>
+                </a:solidFill>
+                <a:effectLst>
+                  <a:outerShdw blurRad="38100" dist="19050" dir="2700000" algn="tl" rotWithShape="0">
+                    <a:schemeClr val="dk1">
+                      <a:alpha val="40000"/>
+                    </a:schemeClr>
+                  </a:outerShdw>
+                </a:effectLst>
+              </a:rPr>
+              <a:t>으로 </a:t>
+            </a:r>
+            <a:endParaRPr lang="en-US" altLang="ko-KR" sz="1000" dirty="0" smtClean="0">
+              <a:ln w="0"/>
+              <a:solidFill>
+                <a:schemeClr val="tx1"/>
+              </a:solidFill>
+              <a:effectLst>
+                <a:outerShdw blurRad="38100" dist="19050" dir="2700000" algn="tl" rotWithShape="0">
+                  <a:schemeClr val="dk1">
+                    <a:alpha val="40000"/>
+                  </a:schemeClr>
+                </a:outerShdw>
+              </a:effectLst>
+            </a:endParaRPr>
+          </a:p>
+          <a:p>
+            <a:pPr algn="ctr"/>
+            <a:r>
+              <a:rPr lang="ko-KR" altLang="en-US" sz="1000" dirty="0" smtClean="0">
+                <a:ln w="0"/>
+                <a:solidFill>
+                  <a:schemeClr val="tx1"/>
+                </a:solidFill>
+                <a:effectLst>
+                  <a:outerShdw blurRad="38100" dist="19050" dir="2700000" algn="tl" rotWithShape="0">
+                    <a:schemeClr val="dk1">
+                      <a:alpha val="40000"/>
+                    </a:schemeClr>
+                  </a:outerShdw>
+                </a:effectLst>
+              </a:rPr>
+              <a:t>화면 하단으로 고정</a:t>
+            </a:r>
+            <a:r>
+              <a:rPr lang="en-US" altLang="ko-KR" sz="1000" dirty="0" smtClean="0">
+                <a:ln w="0"/>
+                <a:solidFill>
+                  <a:schemeClr val="tx1"/>
+                </a:solidFill>
+                <a:effectLst>
+                  <a:outerShdw blurRad="38100" dist="19050" dir="2700000" algn="tl" rotWithShape="0">
+                    <a:schemeClr val="dk1">
+                      <a:alpha val="40000"/>
+                    </a:schemeClr>
+                  </a:outerShdw>
+                </a:effectLst>
+              </a:rPr>
+              <a:t>.</a:t>
+            </a:r>
+            <a:endParaRPr lang="ko-KR" altLang="en-US" sz="1000" dirty="0">
+              <a:ln w="0"/>
+              <a:solidFill>
+                <a:schemeClr val="tx1"/>
+              </a:solidFill>
+              <a:effectLst>
+                <a:outerShdw blurRad="38100" dist="19050" dir="2700000" algn="tl" rotWithShape="0">
+                  <a:schemeClr val="dk1">
+                    <a:alpha val="40000"/>
+                  </a:schemeClr>
+                </a:outerShdw>
+              </a:effectLst>
+            </a:endParaRPr>
+          </a:p>
+        </p:txBody>
+      </p:sp>
+      <p:sp>
+        <p:nvSpPr>
+          <p:cNvPr id="6" name="직사각형 5"/>
+          <p:cNvSpPr/>
+          <p:nvPr/>
+        </p:nvSpPr>
+        <p:spPr>
+          <a:xfrm>
+            <a:off x="5362346" y="5890054"/>
+            <a:ext cx="3691037" cy="523630"/>
+          </a:xfrm>
+          <a:prstGeom prst="rect">
+            <a:avLst/>
+          </a:prstGeom>
+          <a:noFill/>
+          <a:ln>
+            <a:solidFill>
+              <a:srgbClr val="FF0000"/>
+            </a:solidFill>
+          </a:ln>
+        </p:spPr>
+        <p:style>
+          <a:lnRef idx="2">
+            <a:schemeClr val="accent1">
+              <a:shade val="50000"/>
+            </a:schemeClr>
+          </a:lnRef>
+          <a:fillRef idx="1">
+            <a:schemeClr val="accent1"/>
+          </a:fillRef>
+          <a:effectRef idx="0">
+            <a:schemeClr val="accent1"/>
+          </a:effectRef>
+          <a:fontRef idx="minor">
+            <a:schemeClr val="lt1"/>
+          </a:fontRef>
+        </p:style>
+        <p:txBody>
+          <a:bodyPr rtlCol="0" anchor="ctr"/>
+          <a:lstStyle/>
+          <a:p>
+            <a:pPr algn="ctr"/>
+            <a:endParaRPr lang="ko-KR" altLang="en-US"/>
+          </a:p>
+        </p:txBody>
+      </p:sp>
+      <p:sp>
+        <p:nvSpPr>
+          <p:cNvPr id="7" name="직사각형 6"/>
+          <p:cNvSpPr/>
+          <p:nvPr/>
+        </p:nvSpPr>
+        <p:spPr>
+          <a:xfrm>
+            <a:off x="5943105" y="1037968"/>
+            <a:ext cx="2014647" cy="1210962"/>
+          </a:xfrm>
+          <a:prstGeom prst="rect">
+            <a:avLst/>
+          </a:prstGeom>
+          <a:noFill/>
+          <a:ln>
+            <a:solidFill>
+              <a:srgbClr val="FF0000"/>
+            </a:solidFill>
+          </a:ln>
+        </p:spPr>
+        <p:style>
+          <a:lnRef idx="2">
+            <a:schemeClr val="accent1">
+              <a:shade val="50000"/>
+            </a:schemeClr>
+          </a:lnRef>
+          <a:fillRef idx="1">
+            <a:schemeClr val="accent1"/>
+          </a:fillRef>
+          <a:effectRef idx="0">
+            <a:schemeClr val="accent1"/>
+          </a:effectRef>
+          <a:fontRef idx="minor">
+            <a:schemeClr val="lt1"/>
+          </a:fontRef>
+        </p:style>
+        <p:txBody>
+          <a:bodyPr rtlCol="0" anchor="ctr"/>
+          <a:lstStyle/>
+          <a:p>
+            <a:pPr algn="ctr"/>
+            <a:endParaRPr lang="ko-KR" altLang="en-US"/>
+          </a:p>
+        </p:txBody>
+      </p:sp>
+      <p:sp>
+        <p:nvSpPr>
+          <p:cNvPr id="8" name="직사각형 7"/>
+          <p:cNvSpPr/>
+          <p:nvPr/>
+        </p:nvSpPr>
+        <p:spPr>
+          <a:xfrm>
+            <a:off x="777575" y="5832389"/>
+            <a:ext cx="3667637" cy="485081"/>
+          </a:xfrm>
+          <a:prstGeom prst="rect">
+            <a:avLst/>
+          </a:prstGeom>
+          <a:noFill/>
+          <a:ln>
+            <a:solidFill>
+              <a:srgbClr val="FF0000"/>
+            </a:solidFill>
+          </a:ln>
+        </p:spPr>
+        <p:style>
+          <a:lnRef idx="2">
+            <a:schemeClr val="accent1">
+              <a:shade val="50000"/>
+            </a:schemeClr>
+          </a:lnRef>
+          <a:fillRef idx="1">
+            <a:schemeClr val="accent1"/>
+          </a:fillRef>
+          <a:effectRef idx="0">
+            <a:schemeClr val="accent1"/>
+          </a:effectRef>
+          <a:fontRef idx="minor">
+            <a:schemeClr val="lt1"/>
+          </a:fontRef>
+        </p:style>
+        <p:txBody>
+          <a:bodyPr rtlCol="0" anchor="ctr"/>
+          <a:lstStyle/>
+          <a:p>
+            <a:pPr algn="ctr"/>
+            <a:endParaRPr lang="ko-KR" altLang="en-US"/>
+          </a:p>
+        </p:txBody>
+      </p:sp>
+    </p:spTree>
+    <p:extLst>
+      <p:ext uri="{BB962C8B-B14F-4D97-AF65-F5344CB8AC3E}">
+        <p14:creationId xmlns:p14="http://schemas.microsoft.com/office/powerpoint/2010/main" val="2722522267"/>
       </p:ext>
     </p:extLst>
   </p:cSld>
